--- a/Презентация.pptx
+++ b/Презентация.pptx
@@ -14218,15 +14218,6 @@
               </a:spcAft>
               <a:buNone/>
             </a:pPr>
-            <a:r>
-              <a:rPr lang="ru" dirty="0" smtClean="0">
-                <a:latin typeface="Roboto"/>
-                <a:ea typeface="Roboto"/>
-                <a:cs typeface="Roboto"/>
-                <a:sym typeface="Roboto"/>
-              </a:rPr>
-              <a:t>ЮМани</a:t>
-            </a:r>
             <a:endParaRPr dirty="0">
               <a:solidFill>
                 <a:srgbClr val="000000"/>

--- a/Презентация.pptx
+++ b/Презентация.pptx
@@ -5,7 +5,7 @@
     <p:sldMasterId id="2147483662" r:id="rId1"/>
   </p:sldMasterIdLst>
   <p:notesMasterIdLst>
-    <p:notesMasterId r:id="rId24"/>
+    <p:notesMasterId r:id="rId26"/>
   </p:notesMasterIdLst>
   <p:sldIdLst>
     <p:sldId id="256" r:id="rId2"/>
@@ -17,29 +17,31 @@
     <p:sldId id="262" r:id="rId8"/>
     <p:sldId id="263" r:id="rId9"/>
     <p:sldId id="264" r:id="rId10"/>
-    <p:sldId id="274" r:id="rId11"/>
-    <p:sldId id="279" r:id="rId12"/>
-    <p:sldId id="280" r:id="rId13"/>
-    <p:sldId id="275" r:id="rId14"/>
-    <p:sldId id="282" r:id="rId15"/>
-    <p:sldId id="281" r:id="rId16"/>
-    <p:sldId id="278" r:id="rId17"/>
-    <p:sldId id="277" r:id="rId18"/>
-    <p:sldId id="276" r:id="rId19"/>
-    <p:sldId id="284" r:id="rId20"/>
-    <p:sldId id="283" r:id="rId21"/>
-    <p:sldId id="265" r:id="rId22"/>
-    <p:sldId id="266" r:id="rId23"/>
+    <p:sldId id="285" r:id="rId11"/>
+    <p:sldId id="274" r:id="rId12"/>
+    <p:sldId id="279" r:id="rId13"/>
+    <p:sldId id="280" r:id="rId14"/>
+    <p:sldId id="275" r:id="rId15"/>
+    <p:sldId id="282" r:id="rId16"/>
+    <p:sldId id="281" r:id="rId17"/>
+    <p:sldId id="278" r:id="rId18"/>
+    <p:sldId id="277" r:id="rId19"/>
+    <p:sldId id="276" r:id="rId20"/>
+    <p:sldId id="284" r:id="rId21"/>
+    <p:sldId id="283" r:id="rId22"/>
+    <p:sldId id="286" r:id="rId23"/>
+    <p:sldId id="265" r:id="rId24"/>
+    <p:sldId id="266" r:id="rId25"/>
   </p:sldIdLst>
   <p:sldSz cx="9144000" cy="5143500" type="screen16x9"/>
   <p:notesSz cx="6858000" cy="9144000"/>
   <p:embeddedFontLst>
     <p:embeddedFont>
       <p:font typeface="Roboto" panose="020B0604020202020204" charset="0"/>
-      <p:regular r:id="rId25"/>
-      <p:bold r:id="rId26"/>
-      <p:italic r:id="rId27"/>
-      <p:boldItalic r:id="rId28"/>
+      <p:regular r:id="rId27"/>
+      <p:bold r:id="rId28"/>
+      <p:italic r:id="rId29"/>
+      <p:boldItalic r:id="rId30"/>
     </p:embeddedFont>
   </p:embeddedFontLst>
   <p:defaultTextStyle>
@@ -961,7 +963,7 @@
     </p:spTree>
     <p:extLst>
       <p:ext uri="{BB962C8B-B14F-4D97-AF65-F5344CB8AC3E}">
-        <p14:creationId xmlns:p14="http://schemas.microsoft.com/office/powerpoint/2010/main" val="3738057708"/>
+        <p14:creationId xmlns:p14="http://schemas.microsoft.com/office/powerpoint/2010/main" val="1784738700"/>
       </p:ext>
     </p:extLst>
   </p:cSld>
@@ -1070,7 +1072,7 @@
     </p:spTree>
     <p:extLst>
       <p:ext uri="{BB962C8B-B14F-4D97-AF65-F5344CB8AC3E}">
-        <p14:creationId xmlns:p14="http://schemas.microsoft.com/office/powerpoint/2010/main" val="3804627644"/>
+        <p14:creationId xmlns:p14="http://schemas.microsoft.com/office/powerpoint/2010/main" val="3738057708"/>
       </p:ext>
     </p:extLst>
   </p:cSld>
@@ -1179,7 +1181,7 @@
     </p:spTree>
     <p:extLst>
       <p:ext uri="{BB962C8B-B14F-4D97-AF65-F5344CB8AC3E}">
-        <p14:creationId xmlns:p14="http://schemas.microsoft.com/office/powerpoint/2010/main" val="1267175326"/>
+        <p14:creationId xmlns:p14="http://schemas.microsoft.com/office/powerpoint/2010/main" val="3804627644"/>
       </p:ext>
     </p:extLst>
   </p:cSld>
@@ -1288,7 +1290,7 @@
     </p:spTree>
     <p:extLst>
       <p:ext uri="{BB962C8B-B14F-4D97-AF65-F5344CB8AC3E}">
-        <p14:creationId xmlns:p14="http://schemas.microsoft.com/office/powerpoint/2010/main" val="342390729"/>
+        <p14:creationId xmlns:p14="http://schemas.microsoft.com/office/powerpoint/2010/main" val="1267175326"/>
       </p:ext>
     </p:extLst>
   </p:cSld>
@@ -1397,7 +1399,7 @@
     </p:spTree>
     <p:extLst>
       <p:ext uri="{BB962C8B-B14F-4D97-AF65-F5344CB8AC3E}">
-        <p14:creationId xmlns:p14="http://schemas.microsoft.com/office/powerpoint/2010/main" val="865625228"/>
+        <p14:creationId xmlns:p14="http://schemas.microsoft.com/office/powerpoint/2010/main" val="342390729"/>
       </p:ext>
     </p:extLst>
   </p:cSld>
@@ -1506,7 +1508,7 @@
     </p:spTree>
     <p:extLst>
       <p:ext uri="{BB962C8B-B14F-4D97-AF65-F5344CB8AC3E}">
-        <p14:creationId xmlns:p14="http://schemas.microsoft.com/office/powerpoint/2010/main" val="1502789843"/>
+        <p14:creationId xmlns:p14="http://schemas.microsoft.com/office/powerpoint/2010/main" val="865625228"/>
       </p:ext>
     </p:extLst>
   </p:cSld>
@@ -1615,7 +1617,7 @@
     </p:spTree>
     <p:extLst>
       <p:ext uri="{BB962C8B-B14F-4D97-AF65-F5344CB8AC3E}">
-        <p14:creationId xmlns:p14="http://schemas.microsoft.com/office/powerpoint/2010/main" val="1147312198"/>
+        <p14:creationId xmlns:p14="http://schemas.microsoft.com/office/powerpoint/2010/main" val="1502789843"/>
       </p:ext>
     </p:extLst>
   </p:cSld>
@@ -1724,7 +1726,7 @@
     </p:spTree>
     <p:extLst>
       <p:ext uri="{BB962C8B-B14F-4D97-AF65-F5344CB8AC3E}">
-        <p14:creationId xmlns:p14="http://schemas.microsoft.com/office/powerpoint/2010/main" val="1881008828"/>
+        <p14:creationId xmlns:p14="http://schemas.microsoft.com/office/powerpoint/2010/main" val="1147312198"/>
       </p:ext>
     </p:extLst>
   </p:cSld>
@@ -1833,7 +1835,7 @@
     </p:spTree>
     <p:extLst>
       <p:ext uri="{BB962C8B-B14F-4D97-AF65-F5344CB8AC3E}">
-        <p14:creationId xmlns:p14="http://schemas.microsoft.com/office/powerpoint/2010/main" val="2902915915"/>
+        <p14:creationId xmlns:p14="http://schemas.microsoft.com/office/powerpoint/2010/main" val="1881008828"/>
       </p:ext>
     </p:extLst>
   </p:cSld>
@@ -1942,7 +1944,7 @@
     </p:spTree>
     <p:extLst>
       <p:ext uri="{BB962C8B-B14F-4D97-AF65-F5344CB8AC3E}">
-        <p14:creationId xmlns:p14="http://schemas.microsoft.com/office/powerpoint/2010/main" val="122797098"/>
+        <p14:creationId xmlns:p14="http://schemas.microsoft.com/office/powerpoint/2010/main" val="2902915915"/>
       </p:ext>
     </p:extLst>
   </p:cSld>
@@ -2160,6 +2162,115 @@
     </p:spTree>
     <p:extLst>
       <p:ext uri="{BB962C8B-B14F-4D97-AF65-F5344CB8AC3E}">
+        <p14:creationId xmlns:p14="http://schemas.microsoft.com/office/powerpoint/2010/main" val="122797098"/>
+      </p:ext>
+    </p:extLst>
+  </p:cSld>
+  <p:clrMapOvr>
+    <a:masterClrMapping/>
+  </p:clrMapOvr>
+</p:notes>
+</file>
+
+<file path=ppt/notesSlides/notesSlide21.xml><?xml version="1.0" encoding="utf-8"?>
+<p:notes xmlns:a="http://schemas.openxmlformats.org/drawingml/2006/main" xmlns:r="http://schemas.openxmlformats.org/officeDocument/2006/relationships" xmlns:p="http://schemas.openxmlformats.org/presentationml/2006/main" showMasterSp="0" showMasterPhAnim="0">
+  <p:cSld>
+    <p:spTree>
+      <p:nvGrpSpPr>
+        <p:cNvPr id="1" name="Shape 131"/>
+        <p:cNvGrpSpPr/>
+        <p:nvPr/>
+      </p:nvGrpSpPr>
+      <p:grpSpPr>
+        <a:xfrm>
+          <a:off x="0" y="0"/>
+          <a:ext cx="0" cy="0"/>
+          <a:chOff x="0" y="0"/>
+          <a:chExt cx="0" cy="0"/>
+        </a:xfrm>
+      </p:grpSpPr>
+      <p:sp>
+        <p:nvSpPr>
+          <p:cNvPr id="132" name="Google Shape;132;gf97f5ce68a_0_9:notes"/>
+          <p:cNvSpPr>
+            <a:spLocks noGrp="1" noRot="1" noChangeAspect="1"/>
+          </p:cNvSpPr>
+          <p:nvPr>
+            <p:ph type="sldImg" idx="2"/>
+          </p:nvPr>
+        </p:nvSpPr>
+        <p:spPr>
+          <a:xfrm>
+            <a:off x="381000" y="685800"/>
+            <a:ext cx="6096000" cy="3429000"/>
+          </a:xfrm>
+          <a:custGeom>
+            <a:avLst/>
+            <a:gdLst/>
+            <a:ahLst/>
+            <a:cxnLst/>
+            <a:rect l="l" t="t" r="r" b="b"/>
+            <a:pathLst>
+              <a:path w="120000" h="120000" extrusionOk="0">
+                <a:moveTo>
+                  <a:pt x="0" y="0"/>
+                </a:moveTo>
+                <a:lnTo>
+                  <a:pt x="120000" y="0"/>
+                </a:lnTo>
+                <a:lnTo>
+                  <a:pt x="120000" y="120000"/>
+                </a:lnTo>
+                <a:lnTo>
+                  <a:pt x="0" y="120000"/>
+                </a:lnTo>
+                <a:close/>
+              </a:path>
+            </a:pathLst>
+          </a:custGeom>
+        </p:spPr>
+      </p:sp>
+      <p:sp>
+        <p:nvSpPr>
+          <p:cNvPr id="133" name="Google Shape;133;gf97f5ce68a_0_9:notes"/>
+          <p:cNvSpPr txBox="1">
+            <a:spLocks noGrp="1"/>
+          </p:cNvSpPr>
+          <p:nvPr>
+            <p:ph type="body" idx="1"/>
+          </p:nvPr>
+        </p:nvSpPr>
+        <p:spPr>
+          <a:xfrm>
+            <a:off x="685800" y="4343400"/>
+            <a:ext cx="5486400" cy="4114800"/>
+          </a:xfrm>
+          <a:prstGeom prst="rect">
+            <a:avLst/>
+          </a:prstGeom>
+        </p:spPr>
+        <p:txBody>
+          <a:bodyPr spcFirstLastPara="1" wrap="square" lIns="91425" tIns="91425" rIns="91425" bIns="91425" anchor="t" anchorCtr="0">
+            <a:noAutofit/>
+          </a:bodyPr>
+          <a:lstStyle/>
+          <a:p>
+            <a:pPr marL="0" lvl="0" indent="0" algn="l" rtl="0">
+              <a:spcBef>
+                <a:spcPts val="0"/>
+              </a:spcBef>
+              <a:spcAft>
+                <a:spcPts val="0"/>
+              </a:spcAft>
+              <a:buNone/>
+            </a:pPr>
+            <a:endParaRPr/>
+          </a:p>
+        </p:txBody>
+      </p:sp>
+    </p:spTree>
+    <p:extLst>
+      <p:ext uri="{BB962C8B-B14F-4D97-AF65-F5344CB8AC3E}">
         <p14:creationId xmlns:p14="http://schemas.microsoft.com/office/powerpoint/2010/main" val="561042597"/>
       </p:ext>
     </p:extLst>
@@ -2170,7 +2281,116 @@
 </p:notes>
 </file>
 
-<file path=ppt/notesSlides/notesSlide21.xml><?xml version="1.0" encoding="utf-8"?>
+<file path=ppt/notesSlides/notesSlide22.xml><?xml version="1.0" encoding="utf-8"?>
+<p:notes xmlns:a="http://schemas.openxmlformats.org/drawingml/2006/main" xmlns:r="http://schemas.openxmlformats.org/officeDocument/2006/relationships" xmlns:p="http://schemas.openxmlformats.org/presentationml/2006/main" showMasterSp="0" showMasterPhAnim="0">
+  <p:cSld>
+    <p:spTree>
+      <p:nvGrpSpPr>
+        <p:cNvPr id="1" name="Shape 131"/>
+        <p:cNvGrpSpPr/>
+        <p:nvPr/>
+      </p:nvGrpSpPr>
+      <p:grpSpPr>
+        <a:xfrm>
+          <a:off x="0" y="0"/>
+          <a:ext cx="0" cy="0"/>
+          <a:chOff x="0" y="0"/>
+          <a:chExt cx="0" cy="0"/>
+        </a:xfrm>
+      </p:grpSpPr>
+      <p:sp>
+        <p:nvSpPr>
+          <p:cNvPr id="132" name="Google Shape;132;gf97f5ce68a_0_9:notes"/>
+          <p:cNvSpPr>
+            <a:spLocks noGrp="1" noRot="1" noChangeAspect="1"/>
+          </p:cNvSpPr>
+          <p:nvPr>
+            <p:ph type="sldImg" idx="2"/>
+          </p:nvPr>
+        </p:nvSpPr>
+        <p:spPr>
+          <a:xfrm>
+            <a:off x="381000" y="685800"/>
+            <a:ext cx="6096000" cy="3429000"/>
+          </a:xfrm>
+          <a:custGeom>
+            <a:avLst/>
+            <a:gdLst/>
+            <a:ahLst/>
+            <a:cxnLst/>
+            <a:rect l="l" t="t" r="r" b="b"/>
+            <a:pathLst>
+              <a:path w="120000" h="120000" extrusionOk="0">
+                <a:moveTo>
+                  <a:pt x="0" y="0"/>
+                </a:moveTo>
+                <a:lnTo>
+                  <a:pt x="120000" y="0"/>
+                </a:lnTo>
+                <a:lnTo>
+                  <a:pt x="120000" y="120000"/>
+                </a:lnTo>
+                <a:lnTo>
+                  <a:pt x="0" y="120000"/>
+                </a:lnTo>
+                <a:close/>
+              </a:path>
+            </a:pathLst>
+          </a:custGeom>
+        </p:spPr>
+      </p:sp>
+      <p:sp>
+        <p:nvSpPr>
+          <p:cNvPr id="133" name="Google Shape;133;gf97f5ce68a_0_9:notes"/>
+          <p:cNvSpPr txBox="1">
+            <a:spLocks noGrp="1"/>
+          </p:cNvSpPr>
+          <p:nvPr>
+            <p:ph type="body" idx="1"/>
+          </p:nvPr>
+        </p:nvSpPr>
+        <p:spPr>
+          <a:xfrm>
+            <a:off x="685800" y="4343400"/>
+            <a:ext cx="5486400" cy="4114800"/>
+          </a:xfrm>
+          <a:prstGeom prst="rect">
+            <a:avLst/>
+          </a:prstGeom>
+        </p:spPr>
+        <p:txBody>
+          <a:bodyPr spcFirstLastPara="1" wrap="square" lIns="91425" tIns="91425" rIns="91425" bIns="91425" anchor="t" anchorCtr="0">
+            <a:noAutofit/>
+          </a:bodyPr>
+          <a:lstStyle/>
+          <a:p>
+            <a:pPr marL="0" lvl="0" indent="0" algn="l" rtl="0">
+              <a:spcBef>
+                <a:spcPts val="0"/>
+              </a:spcBef>
+              <a:spcAft>
+                <a:spcPts val="0"/>
+              </a:spcAft>
+              <a:buNone/>
+            </a:pPr>
+            <a:endParaRPr/>
+          </a:p>
+        </p:txBody>
+      </p:sp>
+    </p:spTree>
+    <p:extLst>
+      <p:ext uri="{BB962C8B-B14F-4D97-AF65-F5344CB8AC3E}">
+        <p14:creationId xmlns:p14="http://schemas.microsoft.com/office/powerpoint/2010/main" val="2145038094"/>
+      </p:ext>
+    </p:extLst>
+  </p:cSld>
+  <p:clrMapOvr>
+    <a:masterClrMapping/>
+  </p:clrMapOvr>
+</p:notes>
+</file>
+
+<file path=ppt/notesSlides/notesSlide23.xml><?xml version="1.0" encoding="utf-8"?>
 <p:notes xmlns:a="http://schemas.openxmlformats.org/drawingml/2006/main" xmlns:r="http://schemas.openxmlformats.org/officeDocument/2006/relationships" xmlns:p="http://schemas.openxmlformats.org/presentationml/2006/main" showMasterSp="0" showMasterPhAnim="0">
   <p:cSld>
     <p:spTree>
@@ -2279,7 +2499,7 @@
 </p:notes>
 </file>
 
-<file path=ppt/notesSlides/notesSlide22.xml><?xml version="1.0" encoding="utf-8"?>
+<file path=ppt/notesSlides/notesSlide24.xml><?xml version="1.0" encoding="utf-8"?>
 <p:notes xmlns:a="http://schemas.openxmlformats.org/drawingml/2006/main" xmlns:r="http://schemas.openxmlformats.org/officeDocument/2006/relationships" xmlns:p="http://schemas.openxmlformats.org/presentationml/2006/main" showMasterSp="0" showMasterPhAnim="0">
   <p:cSld>
     <p:spTree>
@@ -10420,6 +10640,681 @@
       </p:grpSpPr>
       <p:sp>
         <p:nvSpPr>
+          <p:cNvPr id="2" name="Скругленный прямоугольник 1"/>
+          <p:cNvSpPr/>
+          <p:nvPr/>
+        </p:nvSpPr>
+        <p:spPr>
+          <a:xfrm>
+            <a:off x="145774" y="1775791"/>
+            <a:ext cx="3617843" cy="2935247"/>
+          </a:xfrm>
+          <a:prstGeom prst="roundRect">
+            <a:avLst/>
+          </a:prstGeom>
+        </p:spPr>
+        <p:style>
+          <a:lnRef idx="2">
+            <a:schemeClr val="accent1">
+              <a:shade val="50000"/>
+            </a:schemeClr>
+          </a:lnRef>
+          <a:fillRef idx="1">
+            <a:schemeClr val="accent1"/>
+          </a:fillRef>
+          <a:effectRef idx="0">
+            <a:schemeClr val="accent1"/>
+          </a:effectRef>
+          <a:fontRef idx="minor">
+            <a:schemeClr val="lt1"/>
+          </a:fontRef>
+        </p:style>
+        <p:txBody>
+          <a:bodyPr rtlCol="0" anchor="ctr"/>
+          <a:lstStyle/>
+          <a:p>
+            <a:pPr algn="ctr"/>
+            <a:endParaRPr lang="ru-RU"/>
+          </a:p>
+        </p:txBody>
+      </p:sp>
+      <p:sp>
+        <p:nvSpPr>
+          <p:cNvPr id="135" name="Google Shape;135;p24"/>
+          <p:cNvSpPr txBox="1">
+            <a:spLocks noGrp="1"/>
+          </p:cNvSpPr>
+          <p:nvPr>
+            <p:ph type="title"/>
+          </p:nvPr>
+        </p:nvSpPr>
+        <p:spPr>
+          <a:xfrm>
+            <a:off x="500550" y="330724"/>
+            <a:ext cx="8520600" cy="1095900"/>
+          </a:xfrm>
+          <a:prstGeom prst="rect">
+            <a:avLst/>
+          </a:prstGeom>
+        </p:spPr>
+        <p:txBody>
+          <a:bodyPr spcFirstLastPara="1" wrap="square" lIns="91425" tIns="91425" rIns="91425" bIns="91425" anchor="t" anchorCtr="0">
+            <a:noAutofit/>
+          </a:bodyPr>
+          <a:lstStyle/>
+          <a:p>
+            <a:pPr marL="0" lvl="0" indent="0" algn="l" rtl="0">
+              <a:spcBef>
+                <a:spcPts val="0"/>
+              </a:spcBef>
+              <a:spcAft>
+                <a:spcPts val="0"/>
+              </a:spcAft>
+              <a:buNone/>
+            </a:pPr>
+            <a:r>
+              <a:rPr lang="ru" sz="3000" dirty="0"/>
+              <a:t>Схемы (</a:t>
+            </a:r>
+            <a:r>
+              <a:rPr lang="ru" sz="3000" dirty="0" smtClean="0"/>
+              <a:t>архитектура </a:t>
+            </a:r>
+            <a:r>
+              <a:rPr lang="ru-RU" sz="3000" dirty="0" smtClean="0"/>
+              <a:t>кластера</a:t>
+            </a:r>
+            <a:r>
+              <a:rPr lang="ru" sz="3000" dirty="0" smtClean="0"/>
+              <a:t> </a:t>
+            </a:r>
+            <a:r>
+              <a:rPr lang="en-US" sz="3000" dirty="0" err="1" smtClean="0"/>
+              <a:t>Clickhouse</a:t>
+            </a:r>
+            <a:r>
+              <a:rPr lang="ru" sz="3000" dirty="0" smtClean="0"/>
+              <a:t>)</a:t>
+            </a:r>
+            <a:endParaRPr sz="3000" dirty="0"/>
+          </a:p>
+          <a:p>
+            <a:pPr marL="0" lvl="0" indent="0" algn="l" rtl="0">
+              <a:spcBef>
+                <a:spcPts val="0"/>
+              </a:spcBef>
+              <a:spcAft>
+                <a:spcPts val="0"/>
+              </a:spcAft>
+              <a:buNone/>
+            </a:pPr>
+            <a:endParaRPr sz="3000" dirty="0"/>
+          </a:p>
+          <a:p>
+            <a:pPr marL="0" lvl="0" indent="0" algn="l" rtl="0">
+              <a:spcBef>
+                <a:spcPts val="0"/>
+              </a:spcBef>
+              <a:spcAft>
+                <a:spcPts val="0"/>
+              </a:spcAft>
+              <a:buNone/>
+            </a:pPr>
+            <a:endParaRPr sz="3000" dirty="0"/>
+          </a:p>
+          <a:p>
+            <a:pPr marL="0" lvl="0" indent="0" algn="l" rtl="0">
+              <a:spcBef>
+                <a:spcPts val="0"/>
+              </a:spcBef>
+              <a:spcAft>
+                <a:spcPts val="0"/>
+              </a:spcAft>
+              <a:buNone/>
+            </a:pPr>
+            <a:endParaRPr dirty="0"/>
+          </a:p>
+        </p:txBody>
+      </p:sp>
+      <p:pic>
+        <p:nvPicPr>
+          <p:cNvPr id="4" name="Google Shape;172;p28"/>
+          <p:cNvPicPr preferRelativeResize="0"/>
+          <p:nvPr/>
+        </p:nvPicPr>
+        <p:blipFill rotWithShape="1">
+          <a:blip r:embed="rId3">
+            <a:alphaModFix/>
+          </a:blip>
+          <a:srcRect/>
+          <a:stretch/>
+        </p:blipFill>
+        <p:spPr>
+          <a:xfrm>
+            <a:off x="692541" y="3424788"/>
+            <a:ext cx="620721" cy="620719"/>
+          </a:xfrm>
+          <a:prstGeom prst="rect">
+            <a:avLst/>
+          </a:prstGeom>
+          <a:noFill/>
+          <a:ln>
+            <a:noFill/>
+          </a:ln>
+        </p:spPr>
+      </p:pic>
+      <p:pic>
+        <p:nvPicPr>
+          <p:cNvPr id="5" name="Google Shape;172;p28"/>
+          <p:cNvPicPr preferRelativeResize="0"/>
+          <p:nvPr/>
+        </p:nvPicPr>
+        <p:blipFill rotWithShape="1">
+          <a:blip r:embed="rId3">
+            <a:alphaModFix/>
+          </a:blip>
+          <a:srcRect/>
+          <a:stretch/>
+        </p:blipFill>
+        <p:spPr>
+          <a:xfrm>
+            <a:off x="2329184" y="3424788"/>
+            <a:ext cx="620721" cy="620719"/>
+          </a:xfrm>
+          <a:prstGeom prst="rect">
+            <a:avLst/>
+          </a:prstGeom>
+          <a:noFill/>
+          <a:ln>
+            <a:noFill/>
+          </a:ln>
+        </p:spPr>
+      </p:pic>
+      <p:pic>
+        <p:nvPicPr>
+          <p:cNvPr id="6" name="Google Shape;172;p28"/>
+          <p:cNvPicPr preferRelativeResize="0"/>
+          <p:nvPr/>
+        </p:nvPicPr>
+        <p:blipFill rotWithShape="1">
+          <a:blip r:embed="rId3">
+            <a:alphaModFix/>
+          </a:blip>
+          <a:srcRect/>
+          <a:stretch/>
+        </p:blipFill>
+        <p:spPr>
+          <a:xfrm>
+            <a:off x="1485541" y="2002762"/>
+            <a:ext cx="620721" cy="620719"/>
+          </a:xfrm>
+          <a:prstGeom prst="rect">
+            <a:avLst/>
+          </a:prstGeom>
+          <a:noFill/>
+          <a:ln>
+            <a:noFill/>
+          </a:ln>
+        </p:spPr>
+      </p:pic>
+      <p:sp>
+        <p:nvSpPr>
+          <p:cNvPr id="3" name="TextBox 2"/>
+          <p:cNvSpPr txBox="1"/>
+          <p:nvPr/>
+        </p:nvSpPr>
+        <p:spPr>
+          <a:xfrm>
+            <a:off x="2106262" y="2002762"/>
+            <a:ext cx="1457450" cy="600164"/>
+          </a:xfrm>
+          <a:prstGeom prst="rect">
+            <a:avLst/>
+          </a:prstGeom>
+          <a:noFill/>
+        </p:spPr>
+        <p:txBody>
+          <a:bodyPr wrap="none" rtlCol="0">
+            <a:spAutoFit/>
+          </a:bodyPr>
+          <a:lstStyle/>
+          <a:p>
+            <a:r>
+              <a:rPr lang="en-US" sz="1100" dirty="0" smtClean="0"/>
+              <a:t>Clickhouse-Keeper1</a:t>
+            </a:r>
+          </a:p>
+          <a:p>
+            <a:r>
+              <a:rPr lang="en-US" sz="1100" dirty="0" smtClean="0"/>
+              <a:t>2 CPU</a:t>
+            </a:r>
+          </a:p>
+          <a:p>
+            <a:r>
+              <a:rPr lang="en-US" sz="1100" dirty="0" smtClean="0"/>
+              <a:t>2Gb Ram</a:t>
+            </a:r>
+            <a:endParaRPr lang="ru-RU" sz="1100" dirty="0"/>
+          </a:p>
+        </p:txBody>
+      </p:sp>
+      <p:sp>
+        <p:nvSpPr>
+          <p:cNvPr id="9" name="TextBox 8"/>
+          <p:cNvSpPr txBox="1"/>
+          <p:nvPr/>
+        </p:nvSpPr>
+        <p:spPr>
+          <a:xfrm>
+            <a:off x="2085403" y="4045507"/>
+            <a:ext cx="1457450" cy="600164"/>
+          </a:xfrm>
+          <a:prstGeom prst="rect">
+            <a:avLst/>
+          </a:prstGeom>
+          <a:noFill/>
+        </p:spPr>
+        <p:txBody>
+          <a:bodyPr wrap="none" rtlCol="0">
+            <a:spAutoFit/>
+          </a:bodyPr>
+          <a:lstStyle/>
+          <a:p>
+            <a:r>
+              <a:rPr lang="en-US" sz="1100" dirty="0" smtClean="0"/>
+              <a:t>Clickhouse-Keeper3</a:t>
+            </a:r>
+          </a:p>
+          <a:p>
+            <a:r>
+              <a:rPr lang="en-US" sz="1100" dirty="0" smtClean="0"/>
+              <a:t>2 CPU</a:t>
+            </a:r>
+          </a:p>
+          <a:p>
+            <a:r>
+              <a:rPr lang="en-US" sz="1100" dirty="0" smtClean="0"/>
+              <a:t>2Gb Ram</a:t>
+            </a:r>
+            <a:endParaRPr lang="ru-RU" sz="1100" dirty="0"/>
+          </a:p>
+        </p:txBody>
+      </p:sp>
+      <p:sp>
+        <p:nvSpPr>
+          <p:cNvPr id="10" name="TextBox 9"/>
+          <p:cNvSpPr txBox="1"/>
+          <p:nvPr/>
+        </p:nvSpPr>
+        <p:spPr>
+          <a:xfrm>
+            <a:off x="363773" y="4045507"/>
+            <a:ext cx="1457450" cy="600164"/>
+          </a:xfrm>
+          <a:prstGeom prst="rect">
+            <a:avLst/>
+          </a:prstGeom>
+          <a:noFill/>
+        </p:spPr>
+        <p:txBody>
+          <a:bodyPr wrap="none" rtlCol="0">
+            <a:spAutoFit/>
+          </a:bodyPr>
+          <a:lstStyle/>
+          <a:p>
+            <a:r>
+              <a:rPr lang="en-US" sz="1100" dirty="0" smtClean="0"/>
+              <a:t>Clickhouse-Keeper2</a:t>
+            </a:r>
+          </a:p>
+          <a:p>
+            <a:r>
+              <a:rPr lang="en-US" sz="1100" dirty="0" smtClean="0"/>
+              <a:t>2 CPU</a:t>
+            </a:r>
+          </a:p>
+          <a:p>
+            <a:r>
+              <a:rPr lang="en-US" sz="1100" dirty="0" smtClean="0"/>
+              <a:t>2Gb Ram</a:t>
+            </a:r>
+            <a:endParaRPr lang="ru-RU" sz="1100" dirty="0"/>
+          </a:p>
+        </p:txBody>
+      </p:sp>
+      <p:pic>
+        <p:nvPicPr>
+          <p:cNvPr id="11" name="Google Shape;301;p30"/>
+          <p:cNvPicPr preferRelativeResize="0"/>
+          <p:nvPr/>
+        </p:nvPicPr>
+        <p:blipFill rotWithShape="1">
+          <a:blip r:embed="rId4">
+            <a:alphaModFix/>
+          </a:blip>
+          <a:srcRect/>
+          <a:stretch/>
+        </p:blipFill>
+        <p:spPr>
+          <a:xfrm>
+            <a:off x="1587865" y="3527112"/>
+            <a:ext cx="416072" cy="416069"/>
+          </a:xfrm>
+          <a:prstGeom prst="rect">
+            <a:avLst/>
+          </a:prstGeom>
+          <a:noFill/>
+          <a:ln>
+            <a:noFill/>
+          </a:ln>
+        </p:spPr>
+      </p:pic>
+      <p:pic>
+        <p:nvPicPr>
+          <p:cNvPr id="12" name="Google Shape;301;p30"/>
+          <p:cNvPicPr preferRelativeResize="0"/>
+          <p:nvPr/>
+        </p:nvPicPr>
+        <p:blipFill rotWithShape="1">
+          <a:blip r:embed="rId4">
+            <a:alphaModFix/>
+          </a:blip>
+          <a:srcRect/>
+          <a:stretch/>
+        </p:blipFill>
+        <p:spPr>
+          <a:xfrm rot="18205884">
+            <a:off x="884462" y="2710391"/>
+            <a:ext cx="416072" cy="416069"/>
+          </a:xfrm>
+          <a:prstGeom prst="rect">
+            <a:avLst/>
+          </a:prstGeom>
+          <a:noFill/>
+          <a:ln>
+            <a:noFill/>
+          </a:ln>
+        </p:spPr>
+      </p:pic>
+      <p:pic>
+        <p:nvPicPr>
+          <p:cNvPr id="13" name="Google Shape;301;p30"/>
+          <p:cNvPicPr preferRelativeResize="0"/>
+          <p:nvPr/>
+        </p:nvPicPr>
+        <p:blipFill rotWithShape="1">
+          <a:blip r:embed="rId4">
+            <a:alphaModFix/>
+          </a:blip>
+          <a:srcRect/>
+          <a:stretch/>
+        </p:blipFill>
+        <p:spPr>
+          <a:xfrm rot="3656666">
+            <a:off x="2078790" y="2732722"/>
+            <a:ext cx="416072" cy="416069"/>
+          </a:xfrm>
+          <a:prstGeom prst="rect">
+            <a:avLst/>
+          </a:prstGeom>
+          <a:noFill/>
+          <a:ln>
+            <a:noFill/>
+          </a:ln>
+        </p:spPr>
+      </p:pic>
+      <p:pic>
+        <p:nvPicPr>
+          <p:cNvPr id="14" name="Google Shape;166;p28"/>
+          <p:cNvPicPr preferRelativeResize="0"/>
+          <p:nvPr/>
+        </p:nvPicPr>
+        <p:blipFill rotWithShape="1">
+          <a:blip r:embed="rId5">
+            <a:alphaModFix/>
+          </a:blip>
+          <a:srcRect/>
+          <a:stretch/>
+        </p:blipFill>
+        <p:spPr>
+          <a:xfrm>
+            <a:off x="5315274" y="1775791"/>
+            <a:ext cx="620721" cy="620719"/>
+          </a:xfrm>
+          <a:prstGeom prst="rect">
+            <a:avLst/>
+          </a:prstGeom>
+          <a:noFill/>
+          <a:ln>
+            <a:noFill/>
+          </a:ln>
+        </p:spPr>
+      </p:pic>
+      <p:pic>
+        <p:nvPicPr>
+          <p:cNvPr id="15" name="Google Shape;166;p28"/>
+          <p:cNvPicPr preferRelativeResize="0"/>
+          <p:nvPr/>
+        </p:nvPicPr>
+        <p:blipFill rotWithShape="1">
+          <a:blip r:embed="rId5">
+            <a:alphaModFix/>
+          </a:blip>
+          <a:srcRect/>
+          <a:stretch/>
+        </p:blipFill>
+        <p:spPr>
+          <a:xfrm>
+            <a:off x="5315274" y="3935032"/>
+            <a:ext cx="620721" cy="620719"/>
+          </a:xfrm>
+          <a:prstGeom prst="rect">
+            <a:avLst/>
+          </a:prstGeom>
+          <a:noFill/>
+          <a:ln>
+            <a:noFill/>
+          </a:ln>
+        </p:spPr>
+      </p:pic>
+      <p:pic>
+        <p:nvPicPr>
+          <p:cNvPr id="16" name="Google Shape;301;p30"/>
+          <p:cNvPicPr preferRelativeResize="0"/>
+          <p:nvPr/>
+        </p:nvPicPr>
+        <p:blipFill rotWithShape="1">
+          <a:blip r:embed="rId4">
+            <a:alphaModFix/>
+          </a:blip>
+          <a:srcRect/>
+          <a:stretch/>
+        </p:blipFill>
+        <p:spPr>
+          <a:xfrm>
+            <a:off x="4363467" y="3945995"/>
+            <a:ext cx="416072" cy="416069"/>
+          </a:xfrm>
+          <a:prstGeom prst="rect">
+            <a:avLst/>
+          </a:prstGeom>
+          <a:noFill/>
+          <a:ln>
+            <a:noFill/>
+          </a:ln>
+        </p:spPr>
+      </p:pic>
+      <p:pic>
+        <p:nvPicPr>
+          <p:cNvPr id="17" name="Google Shape;301;p30"/>
+          <p:cNvPicPr preferRelativeResize="0"/>
+          <p:nvPr/>
+        </p:nvPicPr>
+        <p:blipFill rotWithShape="1">
+          <a:blip r:embed="rId4">
+            <a:alphaModFix/>
+          </a:blip>
+          <a:srcRect/>
+          <a:stretch/>
+        </p:blipFill>
+        <p:spPr>
+          <a:xfrm>
+            <a:off x="4331409" y="1886775"/>
+            <a:ext cx="416072" cy="416069"/>
+          </a:xfrm>
+          <a:prstGeom prst="rect">
+            <a:avLst/>
+          </a:prstGeom>
+          <a:noFill/>
+          <a:ln>
+            <a:noFill/>
+          </a:ln>
+        </p:spPr>
+      </p:pic>
+      <p:pic>
+        <p:nvPicPr>
+          <p:cNvPr id="18" name="Google Shape;301;p30"/>
+          <p:cNvPicPr preferRelativeResize="0"/>
+          <p:nvPr/>
+        </p:nvPicPr>
+        <p:blipFill rotWithShape="1">
+          <a:blip r:embed="rId4">
+            <a:alphaModFix/>
+          </a:blip>
+          <a:srcRect/>
+          <a:stretch/>
+        </p:blipFill>
+        <p:spPr>
+          <a:xfrm rot="5400000">
+            <a:off x="5413745" y="2901361"/>
+            <a:ext cx="416072" cy="416069"/>
+          </a:xfrm>
+          <a:prstGeom prst="rect">
+            <a:avLst/>
+          </a:prstGeom>
+          <a:noFill/>
+          <a:ln>
+            <a:noFill/>
+          </a:ln>
+        </p:spPr>
+      </p:pic>
+      <p:sp>
+        <p:nvSpPr>
+          <p:cNvPr id="19" name="TextBox 18"/>
+          <p:cNvSpPr txBox="1"/>
+          <p:nvPr/>
+        </p:nvSpPr>
+        <p:spPr>
+          <a:xfrm>
+            <a:off x="6115045" y="1775791"/>
+            <a:ext cx="1417376" cy="600164"/>
+          </a:xfrm>
+          <a:prstGeom prst="rect">
+            <a:avLst/>
+          </a:prstGeom>
+          <a:noFill/>
+        </p:spPr>
+        <p:txBody>
+          <a:bodyPr wrap="none" rtlCol="0">
+            <a:spAutoFit/>
+          </a:bodyPr>
+          <a:lstStyle/>
+          <a:p>
+            <a:r>
+              <a:rPr lang="en-US" sz="1100" dirty="0" smtClean="0"/>
+              <a:t>Clickhouse-Server1</a:t>
+            </a:r>
+          </a:p>
+          <a:p>
+            <a:r>
+              <a:rPr lang="en-US" sz="1100" dirty="0" smtClean="0"/>
+              <a:t>4 CPU</a:t>
+            </a:r>
+          </a:p>
+          <a:p>
+            <a:r>
+              <a:rPr lang="en-US" sz="1100" dirty="0" smtClean="0"/>
+              <a:t>4Gb Ram</a:t>
+            </a:r>
+            <a:endParaRPr lang="ru-RU" sz="1100" dirty="0"/>
+          </a:p>
+        </p:txBody>
+      </p:sp>
+      <p:sp>
+        <p:nvSpPr>
+          <p:cNvPr id="20" name="TextBox 19"/>
+          <p:cNvSpPr txBox="1"/>
+          <p:nvPr/>
+        </p:nvSpPr>
+        <p:spPr>
+          <a:xfrm>
+            <a:off x="6115045" y="3955587"/>
+            <a:ext cx="1417376" cy="600164"/>
+          </a:xfrm>
+          <a:prstGeom prst="rect">
+            <a:avLst/>
+          </a:prstGeom>
+          <a:noFill/>
+        </p:spPr>
+        <p:txBody>
+          <a:bodyPr wrap="none" rtlCol="0">
+            <a:spAutoFit/>
+          </a:bodyPr>
+          <a:lstStyle/>
+          <a:p>
+            <a:r>
+              <a:rPr lang="en-US" sz="1100" dirty="0" smtClean="0"/>
+              <a:t>Clickhouse-Server2</a:t>
+            </a:r>
+          </a:p>
+          <a:p>
+            <a:r>
+              <a:rPr lang="en-US" sz="1100" dirty="0" smtClean="0"/>
+              <a:t>4 CPU</a:t>
+            </a:r>
+          </a:p>
+          <a:p>
+            <a:r>
+              <a:rPr lang="en-US" sz="1100" dirty="0" smtClean="0"/>
+              <a:t>4Gb Ram</a:t>
+            </a:r>
+            <a:endParaRPr lang="ru-RU" sz="1100" dirty="0"/>
+          </a:p>
+        </p:txBody>
+      </p:sp>
+    </p:spTree>
+    <p:extLst>
+      <p:ext uri="{BB962C8B-B14F-4D97-AF65-F5344CB8AC3E}">
+        <p14:creationId xmlns:p14="http://schemas.microsoft.com/office/powerpoint/2010/main" val="4174721106"/>
+      </p:ext>
+    </p:extLst>
+  </p:cSld>
+  <p:clrMapOvr>
+    <a:masterClrMapping/>
+  </p:clrMapOvr>
+</p:sld>
+</file>
+
+<file path=ppt/slides/slide11.xml><?xml version="1.0" encoding="utf-8"?>
+<p:sld xmlns:a="http://schemas.openxmlformats.org/drawingml/2006/main" xmlns:r="http://schemas.openxmlformats.org/officeDocument/2006/relationships" xmlns:p="http://schemas.openxmlformats.org/presentationml/2006/main">
+  <p:cSld>
+    <p:spTree>
+      <p:nvGrpSpPr>
+        <p:cNvPr id="1" name="Shape 134"/>
+        <p:cNvGrpSpPr/>
+        <p:nvPr/>
+      </p:nvGrpSpPr>
+      <p:grpSpPr>
+        <a:xfrm>
+          <a:off x="0" y="0"/>
+          <a:ext cx="0" cy="0"/>
+          <a:chOff x="0" y="0"/>
+          <a:chExt cx="0" cy="0"/>
+        </a:xfrm>
+      </p:grpSpPr>
+      <p:sp>
+        <p:nvSpPr>
           <p:cNvPr id="135" name="Google Shape;135;p24"/>
           <p:cNvSpPr txBox="1">
             <a:spLocks noGrp="1"/>
@@ -10810,268 +11705,6 @@
 </p:sld>
 </file>
 
-<file path=ppt/slides/slide11.xml><?xml version="1.0" encoding="utf-8"?>
-<p:sld xmlns:a="http://schemas.openxmlformats.org/drawingml/2006/main" xmlns:r="http://schemas.openxmlformats.org/officeDocument/2006/relationships" xmlns:p="http://schemas.openxmlformats.org/presentationml/2006/main">
-  <p:cSld>
-    <p:spTree>
-      <p:nvGrpSpPr>
-        <p:cNvPr id="1" name="Shape 134"/>
-        <p:cNvGrpSpPr/>
-        <p:nvPr/>
-      </p:nvGrpSpPr>
-      <p:grpSpPr>
-        <a:xfrm>
-          <a:off x="0" y="0"/>
-          <a:ext cx="0" cy="0"/>
-          <a:chOff x="0" y="0"/>
-          <a:chExt cx="0" cy="0"/>
-        </a:xfrm>
-      </p:grpSpPr>
-      <p:sp>
-        <p:nvSpPr>
-          <p:cNvPr id="135" name="Google Shape;135;p24"/>
-          <p:cNvSpPr txBox="1">
-            <a:spLocks noGrp="1"/>
-          </p:cNvSpPr>
-          <p:nvPr>
-            <p:ph type="title"/>
-          </p:nvPr>
-        </p:nvSpPr>
-        <p:spPr>
-          <a:xfrm>
-            <a:off x="500550" y="330724"/>
-            <a:ext cx="8520600" cy="1095900"/>
-          </a:xfrm>
-          <a:prstGeom prst="rect">
-            <a:avLst/>
-          </a:prstGeom>
-        </p:spPr>
-        <p:txBody>
-          <a:bodyPr spcFirstLastPara="1" wrap="square" lIns="91425" tIns="91425" rIns="91425" bIns="91425" anchor="t" anchorCtr="0">
-            <a:noAutofit/>
-          </a:bodyPr>
-          <a:lstStyle/>
-          <a:p>
-            <a:pPr marL="0" lvl="0" indent="0" algn="l" rtl="0">
-              <a:spcBef>
-                <a:spcPts val="0"/>
-              </a:spcBef>
-              <a:spcAft>
-                <a:spcPts val="0"/>
-              </a:spcAft>
-              <a:buNone/>
-            </a:pPr>
-            <a:r>
-              <a:rPr lang="ru-RU" sz="3000" dirty="0" smtClean="0"/>
-              <a:t>Описание таблицы </a:t>
-            </a:r>
-            <a:r>
-              <a:rPr lang="en-US" sz="3000" dirty="0" err="1" smtClean="0"/>
-              <a:t>ClickHouse</a:t>
-            </a:r>
-            <a:endParaRPr sz="3000" dirty="0"/>
-          </a:p>
-          <a:p>
-            <a:pPr marL="0" lvl="0" indent="0" algn="l" rtl="0">
-              <a:spcBef>
-                <a:spcPts val="0"/>
-              </a:spcBef>
-              <a:spcAft>
-                <a:spcPts val="0"/>
-              </a:spcAft>
-              <a:buNone/>
-            </a:pPr>
-            <a:r>
-              <a:rPr lang="ru-RU" sz="3000" dirty="0" smtClean="0"/>
-              <a:t/>
-            </a:r>
-            <a:br>
-              <a:rPr lang="ru-RU" sz="3000" dirty="0" smtClean="0"/>
-            </a:br>
-            <a:endParaRPr sz="3000" dirty="0"/>
-          </a:p>
-          <a:p>
-            <a:pPr marL="0" lvl="0" indent="0" algn="l" rtl="0">
-              <a:spcBef>
-                <a:spcPts val="0"/>
-              </a:spcBef>
-              <a:spcAft>
-                <a:spcPts val="0"/>
-              </a:spcAft>
-              <a:buNone/>
-            </a:pPr>
-            <a:r>
-              <a:rPr lang="ru-RU" sz="3000" dirty="0" smtClean="0"/>
-              <a:t/>
-            </a:r>
-            <a:br>
-              <a:rPr lang="ru-RU" sz="3000" dirty="0" smtClean="0"/>
-            </a:br>
-            <a:endParaRPr sz="3000" dirty="0"/>
-          </a:p>
-          <a:p>
-            <a:pPr marL="0" lvl="0" indent="0" algn="l" rtl="0">
-              <a:spcBef>
-                <a:spcPts val="0"/>
-              </a:spcBef>
-              <a:spcAft>
-                <a:spcPts val="0"/>
-              </a:spcAft>
-              <a:buNone/>
-            </a:pPr>
-            <a:endParaRPr dirty="0"/>
-          </a:p>
-        </p:txBody>
-      </p:sp>
-      <p:sp>
-        <p:nvSpPr>
-          <p:cNvPr id="3" name="TextBox 2"/>
-          <p:cNvSpPr txBox="1"/>
-          <p:nvPr/>
-        </p:nvSpPr>
-        <p:spPr>
-          <a:xfrm>
-            <a:off x="414866" y="1676417"/>
-            <a:ext cx="8556856" cy="2246769"/>
-          </a:xfrm>
-          <a:prstGeom prst="rect">
-            <a:avLst/>
-          </a:prstGeom>
-          <a:noFill/>
-        </p:spPr>
-        <p:txBody>
-          <a:bodyPr wrap="square" rtlCol="0">
-            <a:spAutoFit/>
-          </a:bodyPr>
-          <a:lstStyle/>
-          <a:p>
-            <a:r>
-              <a:rPr lang="en-US" dirty="0"/>
-              <a:t>CREATE TABLE </a:t>
-            </a:r>
-            <a:r>
-              <a:rPr lang="en-US" dirty="0" err="1"/>
-              <a:t>log_table</a:t>
-            </a:r>
-            <a:r>
-              <a:rPr lang="en-US" dirty="0"/>
-              <a:t> </a:t>
-            </a:r>
-            <a:r>
-              <a:rPr lang="en-US" dirty="0" smtClean="0"/>
-              <a:t>ON CLUSTER </a:t>
-            </a:r>
-            <a:r>
-              <a:rPr lang="en-US" dirty="0"/>
-              <a:t>cluster</a:t>
-            </a:r>
-          </a:p>
-          <a:p>
-            <a:r>
-              <a:rPr lang="en-US" dirty="0"/>
-              <a:t>(</a:t>
-            </a:r>
-          </a:p>
-          <a:p>
-            <a:r>
-              <a:rPr lang="en-US" dirty="0"/>
-              <a:t>    `date` </a:t>
-            </a:r>
-            <a:r>
-              <a:rPr lang="en-US" dirty="0" err="1"/>
-              <a:t>DateTime</a:t>
-            </a:r>
-            <a:r>
-              <a:rPr lang="en-US" dirty="0"/>
-              <a:t> DEFAULT now(),</a:t>
-            </a:r>
-          </a:p>
-          <a:p>
-            <a:r>
-              <a:rPr lang="en-US" dirty="0"/>
-              <a:t>    `event` String,</a:t>
-            </a:r>
-          </a:p>
-          <a:p>
-            <a:r>
-              <a:rPr lang="en-US" dirty="0"/>
-              <a:t>    `text` String</a:t>
-            </a:r>
-          </a:p>
-          <a:p>
-            <a:r>
-              <a:rPr lang="en-US" dirty="0"/>
-              <a:t>)</a:t>
-            </a:r>
-          </a:p>
-          <a:p>
-            <a:r>
-              <a:rPr lang="en-US" dirty="0"/>
-              <a:t>ENGINE = </a:t>
-            </a:r>
-            <a:r>
-              <a:rPr lang="en-US" dirty="0" err="1"/>
-              <a:t>ReplicatedMergeTree</a:t>
-            </a:r>
-            <a:r>
-              <a:rPr lang="en-US" dirty="0"/>
-              <a:t>('/</a:t>
-            </a:r>
-            <a:r>
-              <a:rPr lang="en-US" dirty="0" err="1"/>
-              <a:t>clickhouse</a:t>
-            </a:r>
-            <a:r>
-              <a:rPr lang="en-US" dirty="0"/>
-              <a:t>/tables/</a:t>
-            </a:r>
-            <a:r>
-              <a:rPr lang="en-US" dirty="0" err="1"/>
-              <a:t>log_table</a:t>
-            </a:r>
-            <a:r>
-              <a:rPr lang="en-US" dirty="0"/>
-              <a:t>', '{replica}')</a:t>
-            </a:r>
-          </a:p>
-          <a:p>
-            <a:r>
-              <a:rPr lang="en-US" dirty="0"/>
-              <a:t>PARTITION BY </a:t>
-            </a:r>
-            <a:r>
-              <a:rPr lang="en-US" dirty="0" err="1"/>
-              <a:t>toYYYYMMDD</a:t>
-            </a:r>
-            <a:r>
-              <a:rPr lang="en-US" dirty="0"/>
-              <a:t>(date)</a:t>
-            </a:r>
-          </a:p>
-          <a:p>
-            <a:r>
-              <a:rPr lang="en-US" dirty="0"/>
-              <a:t>ORDER BY (date)</a:t>
-            </a:r>
-          </a:p>
-          <a:p>
-            <a:endParaRPr lang="ru-RU" dirty="0"/>
-          </a:p>
-        </p:txBody>
-      </p:sp>
-    </p:spTree>
-    <p:extLst>
-      <p:ext uri="{BB962C8B-B14F-4D97-AF65-F5344CB8AC3E}">
-        <p14:creationId xmlns:p14="http://schemas.microsoft.com/office/powerpoint/2010/main" val="3705444448"/>
-      </p:ext>
-    </p:extLst>
-  </p:cSld>
-  <p:clrMapOvr>
-    <a:masterClrMapping/>
-  </p:clrMapOvr>
-</p:sld>
-</file>
-
 <file path=ppt/slides/slide12.xml><?xml version="1.0" encoding="utf-8"?>
 <p:sld xmlns:a="http://schemas.openxmlformats.org/drawingml/2006/main" xmlns:r="http://schemas.openxmlformats.org/officeDocument/2006/relationships" xmlns:p="http://schemas.openxmlformats.org/presentationml/2006/main">
   <p:cSld>
@@ -11125,32 +11758,31 @@
             </a:pPr>
             <a:r>
               <a:rPr lang="ru-RU" sz="3000" dirty="0" smtClean="0"/>
-              <a:t>Метрики </a:t>
+              <a:t>Описание таблицы </a:t>
             </a:r>
             <a:r>
               <a:rPr lang="en-US" sz="3000" dirty="0" err="1" smtClean="0"/>
               <a:t>ClickHouse</a:t>
             </a:r>
-            <a:r>
-              <a:rPr lang="en-US" sz="3000" dirty="0" smtClean="0"/>
-              <a:t> </a:t>
-            </a:r>
+            <a:endParaRPr sz="3000" dirty="0"/>
+          </a:p>
+          <a:p>
+            <a:pPr marL="0" lvl="0" indent="0" algn="l" rtl="0">
+              <a:spcBef>
+                <a:spcPts val="0"/>
+              </a:spcBef>
+              <a:spcAft>
+                <a:spcPts val="0"/>
+              </a:spcAft>
+              <a:buNone/>
+            </a:pPr>
             <a:r>
               <a:rPr lang="ru-RU" sz="3000" dirty="0" smtClean="0"/>
-              <a:t>в период вставки данных</a:t>
+              <a:t/>
             </a:r>
-            <a:endParaRPr sz="3000" dirty="0"/>
-          </a:p>
-          <a:p>
-            <a:pPr marL="0" lvl="0" indent="0" algn="l" rtl="0">
-              <a:spcBef>
-                <a:spcPts val="0"/>
-              </a:spcBef>
-              <a:spcAft>
-                <a:spcPts val="0"/>
-              </a:spcAft>
-              <a:buNone/>
-            </a:pPr>
+            <a:br>
+              <a:rPr lang="ru-RU" sz="3000" dirty="0" smtClean="0"/>
+            </a:br>
             <a:endParaRPr sz="3000" dirty="0"/>
           </a:p>
           <a:p>
@@ -11164,10 +11796,13 @@
               <a:buNone/>
             </a:pPr>
             <a:r>
-              <a:rPr lang="ru-RU" sz="2800" b="0" dirty="0" smtClean="0"/>
-              <a:t>Состояние памяти серверов</a:t>
+              <a:rPr lang="ru-RU" sz="3000" dirty="0" smtClean="0"/>
+              <a:t/>
             </a:r>
-            <a:endParaRPr sz="2800" b="0" dirty="0"/>
+            <a:br>
+              <a:rPr lang="ru-RU" sz="3000" dirty="0" smtClean="0"/>
+            </a:br>
+            <a:endParaRPr sz="3000" dirty="0"/>
           </a:p>
           <a:p>
             <a:pPr marL="0" lvl="0" indent="0" algn="l" rtl="0">
@@ -11183,40 +11818,146 @@
           </a:p>
         </p:txBody>
       </p:sp>
-      <p:pic>
-        <p:nvPicPr>
-          <p:cNvPr id="2" name="Рисунок 1"/>
-          <p:cNvPicPr>
-            <a:picLocks noChangeAspect="1"/>
-          </p:cNvPicPr>
+      <p:sp>
+        <p:nvSpPr>
+          <p:cNvPr id="3" name="TextBox 2"/>
+          <p:cNvSpPr txBox="1"/>
           <p:nvPr/>
-        </p:nvPicPr>
-        <p:blipFill>
-          <a:blip r:embed="rId3">
-            <a:extLst>
-              <a:ext uri="{28A0092B-C50C-407E-A947-70E740481C1C}">
-                <a14:useLocalDpi xmlns:a14="http://schemas.microsoft.com/office/drawing/2010/main" val="0"/>
-              </a:ext>
-            </a:extLst>
-          </a:blip>
-          <a:stretch>
-            <a:fillRect/>
-          </a:stretch>
-        </p:blipFill>
+        </p:nvSpPr>
         <p:spPr>
           <a:xfrm>
-            <a:off x="58125" y="2632833"/>
-            <a:ext cx="8963025" cy="1666875"/>
+            <a:off x="414866" y="1676417"/>
+            <a:ext cx="8556856" cy="2246769"/>
           </a:xfrm>
           <a:prstGeom prst="rect">
             <a:avLst/>
           </a:prstGeom>
+          <a:noFill/>
         </p:spPr>
-      </p:pic>
+        <p:txBody>
+          <a:bodyPr wrap="square" rtlCol="0">
+            <a:spAutoFit/>
+          </a:bodyPr>
+          <a:lstStyle/>
+          <a:p>
+            <a:r>
+              <a:rPr lang="en-US" dirty="0"/>
+              <a:t>CREATE TABLE </a:t>
+            </a:r>
+            <a:r>
+              <a:rPr lang="en-US" dirty="0" err="1"/>
+              <a:t>log_table</a:t>
+            </a:r>
+            <a:r>
+              <a:rPr lang="en-US" dirty="0"/>
+              <a:t> </a:t>
+            </a:r>
+            <a:r>
+              <a:rPr lang="en-US" dirty="0" smtClean="0"/>
+              <a:t>ON CLUSTER </a:t>
+            </a:r>
+            <a:r>
+              <a:rPr lang="en-US" dirty="0"/>
+              <a:t>cluster</a:t>
+            </a:r>
+          </a:p>
+          <a:p>
+            <a:r>
+              <a:rPr lang="en-US" dirty="0"/>
+              <a:t>(</a:t>
+            </a:r>
+          </a:p>
+          <a:p>
+            <a:r>
+              <a:rPr lang="en-US" dirty="0"/>
+              <a:t>    `date` </a:t>
+            </a:r>
+            <a:r>
+              <a:rPr lang="en-US" dirty="0" err="1"/>
+              <a:t>DateTime</a:t>
+            </a:r>
+            <a:r>
+              <a:rPr lang="en-US" dirty="0"/>
+              <a:t> DEFAULT now(),</a:t>
+            </a:r>
+          </a:p>
+          <a:p>
+            <a:r>
+              <a:rPr lang="en-US" dirty="0"/>
+              <a:t>    `event` String,</a:t>
+            </a:r>
+          </a:p>
+          <a:p>
+            <a:r>
+              <a:rPr lang="en-US" dirty="0"/>
+              <a:t>    `text` String</a:t>
+            </a:r>
+          </a:p>
+          <a:p>
+            <a:r>
+              <a:rPr lang="en-US" dirty="0"/>
+              <a:t>)</a:t>
+            </a:r>
+          </a:p>
+          <a:p>
+            <a:r>
+              <a:rPr lang="en-US" dirty="0"/>
+              <a:t>ENGINE = </a:t>
+            </a:r>
+            <a:r>
+              <a:rPr lang="en-US" dirty="0" err="1"/>
+              <a:t>ReplicatedMergeTree</a:t>
+            </a:r>
+            <a:r>
+              <a:rPr lang="en-US" dirty="0"/>
+              <a:t>('/</a:t>
+            </a:r>
+            <a:r>
+              <a:rPr lang="en-US" dirty="0" err="1"/>
+              <a:t>clickhouse</a:t>
+            </a:r>
+            <a:r>
+              <a:rPr lang="en-US" dirty="0"/>
+              <a:t>/tables/</a:t>
+            </a:r>
+            <a:r>
+              <a:rPr lang="en-US" dirty="0" err="1"/>
+              <a:t>log_table</a:t>
+            </a:r>
+            <a:r>
+              <a:rPr lang="en-US" dirty="0"/>
+              <a:t>', '{replica}')</a:t>
+            </a:r>
+          </a:p>
+          <a:p>
+            <a:r>
+              <a:rPr lang="en-US" dirty="0"/>
+              <a:t>PARTITION BY </a:t>
+            </a:r>
+            <a:r>
+              <a:rPr lang="en-US" dirty="0" err="1"/>
+              <a:t>toYYYYMMDD</a:t>
+            </a:r>
+            <a:r>
+              <a:rPr lang="en-US" dirty="0"/>
+              <a:t>(date)</a:t>
+            </a:r>
+          </a:p>
+          <a:p>
+            <a:r>
+              <a:rPr lang="en-US" dirty="0"/>
+              <a:t>ORDER BY (date)</a:t>
+            </a:r>
+          </a:p>
+          <a:p>
+            <a:endParaRPr lang="ru-RU" dirty="0"/>
+          </a:p>
+        </p:txBody>
+      </p:sp>
     </p:spTree>
     <p:extLst>
       <p:ext uri="{BB962C8B-B14F-4D97-AF65-F5344CB8AC3E}">
-        <p14:creationId xmlns:p14="http://schemas.microsoft.com/office/powerpoint/2010/main" val="1283373801"/>
+        <p14:creationId xmlns:p14="http://schemas.microsoft.com/office/powerpoint/2010/main" val="3705444448"/>
       </p:ext>
     </p:extLst>
   </p:cSld>
@@ -11268,21 +12009,29 @@
           </a:bodyPr>
           <a:lstStyle/>
           <a:p>
-            <a:pPr lvl="0"/>
+            <a:pPr marL="0" lvl="0" indent="0" algn="l" rtl="0">
+              <a:spcBef>
+                <a:spcPts val="0"/>
+              </a:spcBef>
+              <a:spcAft>
+                <a:spcPts val="0"/>
+              </a:spcAft>
+              <a:buNone/>
+            </a:pPr>
             <a:r>
-              <a:rPr lang="ru-RU" sz="3000" dirty="0"/>
+              <a:rPr lang="ru-RU" sz="3000" dirty="0" smtClean="0"/>
               <a:t>Метрики </a:t>
             </a:r>
             <a:r>
-              <a:rPr lang="en-US" sz="3000" dirty="0" err="1"/>
+              <a:rPr lang="en-US" sz="3000" dirty="0" err="1" smtClean="0"/>
               <a:t>ClickHouse</a:t>
             </a:r>
             <a:r>
-              <a:rPr lang="en-US" sz="3000" dirty="0"/>
+              <a:rPr lang="en-US" sz="3000" dirty="0" smtClean="0"/>
               <a:t> </a:t>
             </a:r>
             <a:r>
-              <a:rPr lang="ru-RU" sz="3000" dirty="0"/>
+              <a:rPr lang="ru-RU" sz="3000" dirty="0" smtClean="0"/>
               <a:t>в период вставки данных</a:t>
             </a:r>
             <a:endParaRPr sz="3000" dirty="0"/>
@@ -11297,18 +12046,23 @@
               </a:spcAft>
               <a:buNone/>
             </a:pPr>
+            <a:endParaRPr sz="3000" dirty="0"/>
+          </a:p>
+          <a:p>
+            <a:pPr marL="0" lvl="0" indent="0" algn="l" rtl="0">
+              <a:spcBef>
+                <a:spcPts val="0"/>
+              </a:spcBef>
+              <a:spcAft>
+                <a:spcPts val="0"/>
+              </a:spcAft>
+              <a:buNone/>
+            </a:pPr>
             <a:r>
-              <a:rPr lang="ru-RU" sz="2000" b="0" dirty="0" smtClean="0"/>
-              <a:t/>
+              <a:rPr lang="ru-RU" sz="2800" b="0" dirty="0" smtClean="0"/>
+              <a:t>Состояние памяти серверов</a:t>
             </a:r>
-            <a:br>
-              <a:rPr lang="ru-RU" sz="2000" b="0" dirty="0" smtClean="0"/>
-            </a:br>
-            <a:r>
-              <a:rPr lang="ru-RU" sz="1600" b="0" dirty="0" smtClean="0"/>
-              <a:t>Состояние фоновых заданий обмена партами между репликами (размер пула 16)</a:t>
-            </a:r>
-            <a:endParaRPr sz="2000" b="0" dirty="0"/>
+            <a:endParaRPr sz="2800" b="0" dirty="0"/>
           </a:p>
           <a:p>
             <a:pPr marL="0" lvl="0" indent="0" algn="l" rtl="0">
@@ -11346,8 +12100,8 @@
         </p:blipFill>
         <p:spPr>
           <a:xfrm>
-            <a:off x="85725" y="1977265"/>
-            <a:ext cx="9058275" cy="3057525"/>
+            <a:off x="58125" y="2632833"/>
+            <a:ext cx="8963025" cy="1666875"/>
           </a:xfrm>
           <a:prstGeom prst="rect">
             <a:avLst/>
@@ -11357,7 +12111,7 @@
     </p:spTree>
     <p:extLst>
       <p:ext uri="{BB962C8B-B14F-4D97-AF65-F5344CB8AC3E}">
-        <p14:creationId xmlns:p14="http://schemas.microsoft.com/office/powerpoint/2010/main" val="1857903171"/>
+        <p14:creationId xmlns:p14="http://schemas.microsoft.com/office/powerpoint/2010/main" val="1283373801"/>
       </p:ext>
     </p:extLst>
   </p:cSld>
@@ -11429,39 +12183,27 @@
             <a:endParaRPr sz="3000" dirty="0"/>
           </a:p>
           <a:p>
-            <a:pPr lvl="0"/>
+            <a:pPr marL="0" lvl="0" indent="0" algn="l" rtl="0">
+              <a:spcBef>
+                <a:spcPts val="0"/>
+              </a:spcBef>
+              <a:spcAft>
+                <a:spcPts val="0"/>
+              </a:spcAft>
+              <a:buNone/>
+            </a:pPr>
             <a:r>
-              <a:rPr lang="ru-RU" sz="1600" b="0" dirty="0" smtClean="0"/>
+              <a:rPr lang="ru-RU" sz="2000" b="0" dirty="0" smtClean="0"/>
               <a:t/>
             </a:r>
             <a:br>
-              <a:rPr lang="ru-RU" sz="1600" b="0" dirty="0" smtClean="0"/>
+              <a:rPr lang="ru-RU" sz="2000" b="0" dirty="0" smtClean="0"/>
             </a:br>
             <a:r>
               <a:rPr lang="ru-RU" sz="1600" b="0" dirty="0" smtClean="0"/>
-              <a:t>Состояние </a:t>
+              <a:t>Состояние фоновых заданий обмена партами между репликами (размер пула 16)</a:t>
             </a:r>
-            <a:r>
-              <a:rPr lang="ru-RU" sz="1600" b="0" dirty="0"/>
-              <a:t>фоновых заданий </a:t>
-            </a:r>
-            <a:r>
-              <a:rPr lang="ru-RU" sz="1600" b="0" dirty="0" smtClean="0"/>
-              <a:t>слияния </a:t>
-            </a:r>
-            <a:r>
-              <a:rPr lang="ru-RU" sz="1600" b="0" dirty="0" err="1" smtClean="0"/>
-              <a:t>партов</a:t>
-            </a:r>
-            <a:r>
-              <a:rPr lang="ru-RU" sz="1600" b="0" dirty="0" smtClean="0"/>
-              <a:t> на репликах </a:t>
-            </a:r>
-            <a:r>
-              <a:rPr lang="ru-RU" sz="1600" b="0" dirty="0"/>
-              <a:t>(размер пула 16)</a:t>
-            </a:r>
-            <a:endParaRPr sz="3000" dirty="0"/>
+            <a:endParaRPr sz="2000" b="0" dirty="0"/>
           </a:p>
           <a:p>
             <a:pPr marL="0" lvl="0" indent="0" algn="l" rtl="0">
@@ -11479,7 +12221,7 @@
       </p:sp>
       <p:pic>
         <p:nvPicPr>
-          <p:cNvPr id="3" name="Рисунок 2"/>
+          <p:cNvPr id="2" name="Рисунок 1"/>
           <p:cNvPicPr>
             <a:picLocks noChangeAspect="1"/>
           </p:cNvPicPr>
@@ -11499,8 +12241,8 @@
         </p:blipFill>
         <p:spPr>
           <a:xfrm>
-            <a:off x="71437" y="2253490"/>
-            <a:ext cx="9001125" cy="2809875"/>
+            <a:off x="85725" y="1977265"/>
+            <a:ext cx="9058275" cy="3057525"/>
           </a:xfrm>
           <a:prstGeom prst="rect">
             <a:avLst/>
@@ -11510,7 +12252,7 @@
     </p:spTree>
     <p:extLst>
       <p:ext uri="{BB962C8B-B14F-4D97-AF65-F5344CB8AC3E}">
-        <p14:creationId xmlns:p14="http://schemas.microsoft.com/office/powerpoint/2010/main" val="1517126751"/>
+        <p14:creationId xmlns:p14="http://schemas.microsoft.com/office/powerpoint/2010/main" val="1857903171"/>
       </p:ext>
     </p:extLst>
   </p:cSld>
@@ -11582,46 +12324,57 @@
             <a:endParaRPr sz="3000" dirty="0"/>
           </a:p>
           <a:p>
-            <a:pPr marL="0" lvl="0" indent="0" algn="l" rtl="0">
-              <a:spcBef>
-                <a:spcPts val="0"/>
-              </a:spcBef>
-              <a:spcAft>
-                <a:spcPts val="0"/>
-              </a:spcAft>
-              <a:buNone/>
-            </a:pPr>
-            <a:endParaRPr sz="1600" b="0" dirty="0"/>
-          </a:p>
-          <a:p>
-            <a:pPr marL="0" lvl="0" indent="0" algn="l" rtl="0">
-              <a:spcBef>
-                <a:spcPts val="0"/>
-              </a:spcBef>
-              <a:spcAft>
-                <a:spcPts val="0"/>
-              </a:spcAft>
-              <a:buNone/>
-            </a:pPr>
+            <a:pPr lvl="0"/>
             <a:r>
               <a:rPr lang="ru-RU" sz="1600" b="0" dirty="0" smtClean="0"/>
-              <a:t>Транзакции в </a:t>
+              <a:t/>
+            </a:r>
+            <a:br>
+              <a:rPr lang="ru-RU" sz="1600" b="0" dirty="0" smtClean="0"/>
+            </a:br>
+            <a:r>
+              <a:rPr lang="ru-RU" sz="1600" b="0" dirty="0" smtClean="0"/>
+              <a:t>Состояние </a:t>
             </a:r>
             <a:r>
-              <a:rPr lang="en-US" sz="1600" b="0" dirty="0" err="1" smtClean="0"/>
-              <a:t>ClickHouse</a:t>
+              <a:rPr lang="ru-RU" sz="1600" b="0" dirty="0"/>
+              <a:t>фоновых заданий </a:t>
             </a:r>
             <a:r>
-              <a:rPr lang="en-US" sz="1600" b="0" dirty="0" smtClean="0"/>
-              <a:t>-Keeper</a:t>
+              <a:rPr lang="ru-RU" sz="1600" b="0" dirty="0" smtClean="0"/>
+              <a:t>слияния </a:t>
             </a:r>
-            <a:endParaRPr sz="1600" b="0" dirty="0"/>
+            <a:r>
+              <a:rPr lang="ru-RU" sz="1600" b="0" dirty="0" err="1" smtClean="0"/>
+              <a:t>партов</a:t>
+            </a:r>
+            <a:r>
+              <a:rPr lang="ru-RU" sz="1600" b="0" dirty="0" smtClean="0"/>
+              <a:t> на репликах </a:t>
+            </a:r>
+            <a:r>
+              <a:rPr lang="ru-RU" sz="1600" b="0" dirty="0"/>
+              <a:t>(размер пула 16)</a:t>
+            </a:r>
+            <a:endParaRPr sz="3000" dirty="0"/>
+          </a:p>
+          <a:p>
+            <a:pPr marL="0" lvl="0" indent="0" algn="l" rtl="0">
+              <a:spcBef>
+                <a:spcPts val="0"/>
+              </a:spcBef>
+              <a:spcAft>
+                <a:spcPts val="0"/>
+              </a:spcAft>
+              <a:buNone/>
+            </a:pPr>
+            <a:endParaRPr dirty="0"/>
           </a:p>
         </p:txBody>
       </p:sp>
       <p:pic>
         <p:nvPicPr>
-          <p:cNvPr id="2" name="Рисунок 1"/>
+          <p:cNvPr id="3" name="Рисунок 2"/>
           <p:cNvPicPr>
             <a:picLocks noChangeAspect="1"/>
           </p:cNvPicPr>
@@ -11641,8 +12394,8 @@
         </p:blipFill>
         <p:spPr>
           <a:xfrm>
-            <a:off x="114300" y="2077996"/>
-            <a:ext cx="9029700" cy="2990850"/>
+            <a:off x="71437" y="2253490"/>
+            <a:ext cx="9001125" cy="2809875"/>
           </a:xfrm>
           <a:prstGeom prst="rect">
             <a:avLst/>
@@ -11652,7 +12405,7 @@
     </p:spTree>
     <p:extLst>
       <p:ext uri="{BB962C8B-B14F-4D97-AF65-F5344CB8AC3E}">
-        <p14:creationId xmlns:p14="http://schemas.microsoft.com/office/powerpoint/2010/main" val="4132150695"/>
+        <p14:creationId xmlns:p14="http://schemas.microsoft.com/office/powerpoint/2010/main" val="1517126751"/>
       </p:ext>
     </p:extLst>
   </p:cSld>
@@ -11710,11 +12463,11 @@
               <a:t>Метрики </a:t>
             </a:r>
             <a:r>
-              <a:rPr lang="en-US" sz="3000" dirty="0" err="1" smtClean="0"/>
-              <a:t>MongoDB</a:t>
+              <a:rPr lang="en-US" sz="3000" dirty="0" err="1"/>
+              <a:t>ClickHouse</a:t>
             </a:r>
             <a:r>
-              <a:rPr lang="en-US" sz="3000" dirty="0" smtClean="0"/>
+              <a:rPr lang="en-US" sz="3000" dirty="0"/>
               <a:t> </a:t>
             </a:r>
             <a:r>
@@ -11733,7 +12486,7 @@
               </a:spcAft>
               <a:buNone/>
             </a:pPr>
-            <a:endParaRPr sz="3000" dirty="0"/>
+            <a:endParaRPr sz="1600" b="0" dirty="0"/>
           </a:p>
           <a:p>
             <a:pPr marL="0" lvl="0" indent="0" algn="l" rtl="0">
@@ -11747,13 +12500,17 @@
             </a:pPr>
             <a:r>
               <a:rPr lang="ru-RU" sz="1600" b="0" dirty="0" smtClean="0"/>
-              <a:t>Процессор, утилизация </a:t>
+              <a:t>Транзакции в </a:t>
+            </a:r>
+            <a:r>
+              <a:rPr lang="en-US" sz="1600" b="0" dirty="0" err="1" smtClean="0"/>
+              <a:t>ClickHouse</a:t>
             </a:r>
             <a:r>
               <a:rPr lang="en-US" sz="1600" b="0" dirty="0" smtClean="0"/>
-              <a:t>RAM</a:t>
+              <a:t>-Keeper</a:t>
             </a:r>
-            <a:endParaRPr sz="2800" b="0" dirty="0"/>
+            <a:endParaRPr sz="1600" b="0" dirty="0"/>
           </a:p>
         </p:txBody>
       </p:sp>
@@ -11779,8 +12536,8 @@
         </p:blipFill>
         <p:spPr>
           <a:xfrm>
-            <a:off x="805070" y="2122625"/>
-            <a:ext cx="6858000" cy="1362075"/>
+            <a:off x="114300" y="2077996"/>
+            <a:ext cx="9029700" cy="2990850"/>
           </a:xfrm>
           <a:prstGeom prst="rect">
             <a:avLst/>
@@ -11790,7 +12547,7 @@
     </p:spTree>
     <p:extLst>
       <p:ext uri="{BB962C8B-B14F-4D97-AF65-F5344CB8AC3E}">
-        <p14:creationId xmlns:p14="http://schemas.microsoft.com/office/powerpoint/2010/main" val="56872990"/>
+        <p14:creationId xmlns:p14="http://schemas.microsoft.com/office/powerpoint/2010/main" val="4132150695"/>
       </p:ext>
     </p:extLst>
   </p:cSld>
@@ -11848,11 +12605,11 @@
               <a:t>Метрики </a:t>
             </a:r>
             <a:r>
-              <a:rPr lang="en-US" sz="3000" dirty="0" err="1"/>
+              <a:rPr lang="en-US" sz="3000" dirty="0" err="1" smtClean="0"/>
               <a:t>MongoDB</a:t>
             </a:r>
             <a:r>
-              <a:rPr lang="en-US" sz="3000" dirty="0"/>
+              <a:rPr lang="en-US" sz="3000" dirty="0" smtClean="0"/>
               <a:t> </a:t>
             </a:r>
             <a:r>
@@ -11883,7 +12640,15 @@
               </a:spcAft>
               <a:buNone/>
             </a:pPr>
-            <a:endParaRPr dirty="0"/>
+            <a:r>
+              <a:rPr lang="ru-RU" sz="1600" b="0" dirty="0" smtClean="0"/>
+              <a:t>Процессор, утилизация </a:t>
+            </a:r>
+            <a:r>
+              <a:rPr lang="en-US" sz="1600" b="0" dirty="0" smtClean="0"/>
+              <a:t>RAM</a:t>
+            </a:r>
+            <a:endParaRPr sz="2800" b="0" dirty="0"/>
           </a:p>
         </p:txBody>
       </p:sp>
@@ -11909,8 +12674,8 @@
         </p:blipFill>
         <p:spPr>
           <a:xfrm>
-            <a:off x="679455" y="1123840"/>
-            <a:ext cx="7720672" cy="3640317"/>
+            <a:off x="805070" y="2122625"/>
+            <a:ext cx="6858000" cy="1362075"/>
           </a:xfrm>
           <a:prstGeom prst="rect">
             <a:avLst/>
@@ -11920,7 +12685,7 @@
     </p:spTree>
     <p:extLst>
       <p:ext uri="{BB962C8B-B14F-4D97-AF65-F5344CB8AC3E}">
-        <p14:creationId xmlns:p14="http://schemas.microsoft.com/office/powerpoint/2010/main" val="3433717758"/>
+        <p14:creationId xmlns:p14="http://schemas.microsoft.com/office/powerpoint/2010/main" val="56872990"/>
       </p:ext>
     </p:extLst>
   </p:cSld>
@@ -12039,8 +12804,8 @@
         </p:blipFill>
         <p:spPr>
           <a:xfrm>
-            <a:off x="642523" y="968860"/>
-            <a:ext cx="7679842" cy="3704394"/>
+            <a:off x="679455" y="1123840"/>
+            <a:ext cx="7720672" cy="3640317"/>
           </a:xfrm>
           <a:prstGeom prst="rect">
             <a:avLst/>
@@ -12050,7 +12815,7 @@
     </p:spTree>
     <p:extLst>
       <p:ext uri="{BB962C8B-B14F-4D97-AF65-F5344CB8AC3E}">
-        <p14:creationId xmlns:p14="http://schemas.microsoft.com/office/powerpoint/2010/main" val="2849021216"/>
+        <p14:creationId xmlns:p14="http://schemas.microsoft.com/office/powerpoint/2010/main" val="3433717758"/>
       </p:ext>
     </p:extLst>
   </p:cSld>
@@ -12169,8 +12934,8 @@
         </p:blipFill>
         <p:spPr>
           <a:xfrm>
-            <a:off x="575019" y="995497"/>
-            <a:ext cx="8151537" cy="3726417"/>
+            <a:off x="642523" y="968860"/>
+            <a:ext cx="7679842" cy="3704394"/>
           </a:xfrm>
           <a:prstGeom prst="rect">
             <a:avLst/>
@@ -12180,7 +12945,7 @@
     </p:spTree>
     <p:extLst>
       <p:ext uri="{BB962C8B-B14F-4D97-AF65-F5344CB8AC3E}">
-        <p14:creationId xmlns:p14="http://schemas.microsoft.com/office/powerpoint/2010/main" val="3410771341"/>
+        <p14:creationId xmlns:p14="http://schemas.microsoft.com/office/powerpoint/2010/main" val="2849021216"/>
       </p:ext>
     </p:extLst>
   </p:cSld>
@@ -12374,6 +13139,136 @@
           </a:bodyPr>
           <a:lstStyle/>
           <a:p>
+            <a:pPr lvl="0"/>
+            <a:r>
+              <a:rPr lang="ru-RU" sz="3000" dirty="0"/>
+              <a:t>Метрики </a:t>
+            </a:r>
+            <a:r>
+              <a:rPr lang="en-US" sz="3000" dirty="0" err="1"/>
+              <a:t>MongoDB</a:t>
+            </a:r>
+            <a:r>
+              <a:rPr lang="en-US" sz="3000" dirty="0"/>
+              <a:t> </a:t>
+            </a:r>
+            <a:r>
+              <a:rPr lang="ru-RU" sz="3000" dirty="0"/>
+              <a:t>в период вставки данных</a:t>
+            </a:r>
+            <a:endParaRPr sz="3000" dirty="0"/>
+          </a:p>
+          <a:p>
+            <a:pPr marL="0" lvl="0" indent="0" algn="l" rtl="0">
+              <a:spcBef>
+                <a:spcPts val="0"/>
+              </a:spcBef>
+              <a:spcAft>
+                <a:spcPts val="0"/>
+              </a:spcAft>
+              <a:buNone/>
+            </a:pPr>
+            <a:endParaRPr sz="3000" dirty="0"/>
+          </a:p>
+          <a:p>
+            <a:pPr marL="0" lvl="0" indent="0" algn="l" rtl="0">
+              <a:spcBef>
+                <a:spcPts val="0"/>
+              </a:spcBef>
+              <a:spcAft>
+                <a:spcPts val="0"/>
+              </a:spcAft>
+              <a:buNone/>
+            </a:pPr>
+            <a:endParaRPr dirty="0"/>
+          </a:p>
+        </p:txBody>
+      </p:sp>
+      <p:pic>
+        <p:nvPicPr>
+          <p:cNvPr id="2" name="Рисунок 1"/>
+          <p:cNvPicPr>
+            <a:picLocks noChangeAspect="1"/>
+          </p:cNvPicPr>
+          <p:nvPr/>
+        </p:nvPicPr>
+        <p:blipFill>
+          <a:blip r:embed="rId3">
+            <a:extLst>
+              <a:ext uri="{28A0092B-C50C-407E-A947-70E740481C1C}">
+                <a14:useLocalDpi xmlns:a14="http://schemas.microsoft.com/office/drawing/2010/main" val="0"/>
+              </a:ext>
+            </a:extLst>
+          </a:blip>
+          <a:stretch>
+            <a:fillRect/>
+          </a:stretch>
+        </p:blipFill>
+        <p:spPr>
+          <a:xfrm>
+            <a:off x="575019" y="995497"/>
+            <a:ext cx="8151537" cy="3726417"/>
+          </a:xfrm>
+          <a:prstGeom prst="rect">
+            <a:avLst/>
+          </a:prstGeom>
+        </p:spPr>
+      </p:pic>
+    </p:spTree>
+    <p:extLst>
+      <p:ext uri="{BB962C8B-B14F-4D97-AF65-F5344CB8AC3E}">
+        <p14:creationId xmlns:p14="http://schemas.microsoft.com/office/powerpoint/2010/main" val="3410771341"/>
+      </p:ext>
+    </p:extLst>
+  </p:cSld>
+  <p:clrMapOvr>
+    <a:masterClrMapping/>
+  </p:clrMapOvr>
+</p:sld>
+</file>
+
+<file path=ppt/slides/slide21.xml><?xml version="1.0" encoding="utf-8"?>
+<p:sld xmlns:a="http://schemas.openxmlformats.org/drawingml/2006/main" xmlns:r="http://schemas.openxmlformats.org/officeDocument/2006/relationships" xmlns:p="http://schemas.openxmlformats.org/presentationml/2006/main">
+  <p:cSld>
+    <p:spTree>
+      <p:nvGrpSpPr>
+        <p:cNvPr id="1" name="Shape 134"/>
+        <p:cNvGrpSpPr/>
+        <p:nvPr/>
+      </p:nvGrpSpPr>
+      <p:grpSpPr>
+        <a:xfrm>
+          <a:off x="0" y="0"/>
+          <a:ext cx="0" cy="0"/>
+          <a:chOff x="0" y="0"/>
+          <a:chExt cx="0" cy="0"/>
+        </a:xfrm>
+      </p:grpSpPr>
+      <p:sp>
+        <p:nvSpPr>
+          <p:cNvPr id="135" name="Google Shape;135;p24"/>
+          <p:cNvSpPr txBox="1">
+            <a:spLocks noGrp="1"/>
+          </p:cNvSpPr>
+          <p:nvPr>
+            <p:ph type="title"/>
+          </p:nvPr>
+        </p:nvSpPr>
+        <p:spPr>
+          <a:xfrm>
+            <a:off x="500550" y="330724"/>
+            <a:ext cx="8520600" cy="1095900"/>
+          </a:xfrm>
+          <a:prstGeom prst="rect">
+            <a:avLst/>
+          </a:prstGeom>
+        </p:spPr>
+        <p:txBody>
+          <a:bodyPr spcFirstLastPara="1" wrap="square" lIns="91425" tIns="91425" rIns="91425" bIns="91425" anchor="t" anchorCtr="0">
+            <a:noAutofit/>
+          </a:bodyPr>
+          <a:lstStyle/>
+          <a:p>
             <a:pPr marL="0" lvl="0" indent="0" algn="l" rtl="0">
               <a:spcBef>
                 <a:spcPts val="0"/>
@@ -12385,7 +13280,19 @@
             </a:pPr>
             <a:r>
               <a:rPr lang="ru-RU" sz="3000" dirty="0" smtClean="0"/>
-              <a:t>Таблица результатов (с)</a:t>
+              <a:t>Таблица результатов (с</a:t>
+            </a:r>
+            <a:r>
+              <a:rPr lang="ru-RU" sz="3000" dirty="0" smtClean="0"/>
+              <a:t>)</a:t>
+            </a:r>
+            <a:r>
+              <a:rPr lang="en-US" sz="3000" dirty="0" smtClean="0"/>
+              <a:t> </a:t>
+            </a:r>
+            <a:r>
+              <a:rPr lang="ru-RU" sz="3000" dirty="0" smtClean="0"/>
+              <a:t>построчно</a:t>
             </a:r>
             <a:endParaRPr sz="3000" dirty="0"/>
           </a:p>
@@ -12925,7 +13832,450 @@
 </p:sld>
 </file>
 
-<file path=ppt/slides/slide21.xml><?xml version="1.0" encoding="utf-8"?>
+<file path=ppt/slides/slide22.xml><?xml version="1.0" encoding="utf-8"?>
+<p:sld xmlns:a="http://schemas.openxmlformats.org/drawingml/2006/main" xmlns:r="http://schemas.openxmlformats.org/officeDocument/2006/relationships" xmlns:p="http://schemas.openxmlformats.org/presentationml/2006/main">
+  <p:cSld>
+    <p:spTree>
+      <p:nvGrpSpPr>
+        <p:cNvPr id="1" name="Shape 134"/>
+        <p:cNvGrpSpPr/>
+        <p:nvPr/>
+      </p:nvGrpSpPr>
+      <p:grpSpPr>
+        <a:xfrm>
+          <a:off x="0" y="0"/>
+          <a:ext cx="0" cy="0"/>
+          <a:chOff x="0" y="0"/>
+          <a:chExt cx="0" cy="0"/>
+        </a:xfrm>
+      </p:grpSpPr>
+      <p:sp>
+        <p:nvSpPr>
+          <p:cNvPr id="135" name="Google Shape;135;p24"/>
+          <p:cNvSpPr txBox="1">
+            <a:spLocks noGrp="1"/>
+          </p:cNvSpPr>
+          <p:nvPr>
+            <p:ph type="title"/>
+          </p:nvPr>
+        </p:nvSpPr>
+        <p:spPr>
+          <a:xfrm>
+            <a:off x="500550" y="330724"/>
+            <a:ext cx="8520600" cy="1095900"/>
+          </a:xfrm>
+          <a:prstGeom prst="rect">
+            <a:avLst/>
+          </a:prstGeom>
+        </p:spPr>
+        <p:txBody>
+          <a:bodyPr spcFirstLastPara="1" wrap="square" lIns="91425" tIns="91425" rIns="91425" bIns="91425" anchor="t" anchorCtr="0">
+            <a:noAutofit/>
+          </a:bodyPr>
+          <a:lstStyle/>
+          <a:p>
+            <a:pPr marL="0" lvl="0" indent="0" algn="l" rtl="0">
+              <a:spcBef>
+                <a:spcPts val="0"/>
+              </a:spcBef>
+              <a:spcAft>
+                <a:spcPts val="0"/>
+              </a:spcAft>
+              <a:buNone/>
+            </a:pPr>
+            <a:r>
+              <a:rPr lang="ru-RU" sz="3000" dirty="0" smtClean="0"/>
+              <a:t>Таблица результатов (с</a:t>
+            </a:r>
+            <a:r>
+              <a:rPr lang="ru-RU" sz="3000" dirty="0" smtClean="0"/>
+              <a:t>) </a:t>
+            </a:r>
+            <a:r>
+              <a:rPr lang="ru-RU" sz="3000" dirty="0" err="1" smtClean="0"/>
+              <a:t>батчами</a:t>
+            </a:r>
+            <a:endParaRPr sz="3000" dirty="0"/>
+          </a:p>
+          <a:p>
+            <a:pPr marL="0" lvl="0" indent="0" algn="l" rtl="0">
+              <a:spcBef>
+                <a:spcPts val="0"/>
+              </a:spcBef>
+              <a:spcAft>
+                <a:spcPts val="0"/>
+              </a:spcAft>
+              <a:buNone/>
+            </a:pPr>
+            <a:endParaRPr sz="3000" dirty="0"/>
+          </a:p>
+          <a:p>
+            <a:pPr marL="0" lvl="0" indent="0" algn="l" rtl="0">
+              <a:spcBef>
+                <a:spcPts val="0"/>
+              </a:spcBef>
+              <a:spcAft>
+                <a:spcPts val="0"/>
+              </a:spcAft>
+              <a:buNone/>
+            </a:pPr>
+            <a:endParaRPr sz="3000" dirty="0"/>
+          </a:p>
+          <a:p>
+            <a:pPr marL="0" lvl="0" indent="0" algn="l" rtl="0">
+              <a:spcBef>
+                <a:spcPts val="0"/>
+              </a:spcBef>
+              <a:spcAft>
+                <a:spcPts val="0"/>
+              </a:spcAft>
+              <a:buNone/>
+            </a:pPr>
+            <a:endParaRPr dirty="0"/>
+          </a:p>
+        </p:txBody>
+      </p:sp>
+      <p:graphicFrame>
+        <p:nvGraphicFramePr>
+          <p:cNvPr id="2" name="Таблица 1"/>
+          <p:cNvGraphicFramePr>
+            <a:graphicFrameLocks noGrp="1"/>
+          </p:cNvGraphicFramePr>
+          <p:nvPr>
+            <p:extLst>
+              <p:ext uri="{D42A27DB-BD31-4B8C-83A1-F6EECF244321}">
+                <p14:modId xmlns:p14="http://schemas.microsoft.com/office/powerpoint/2010/main" val="4214579453"/>
+              </p:ext>
+            </p:extLst>
+          </p:nvPr>
+        </p:nvGraphicFramePr>
+        <p:xfrm>
+          <a:off x="500550" y="1208985"/>
+          <a:ext cx="7510389" cy="2001520"/>
+        </p:xfrm>
+        <a:graphic>
+          <a:graphicData uri="http://schemas.openxmlformats.org/drawingml/2006/table">
+            <a:tbl>
+              <a:tblPr firstRow="1" bandRow="1">
+                <a:tableStyleId>{B9FE747B-EA68-42DF-9011-3F58A4E4B16C}</a:tableStyleId>
+              </a:tblPr>
+              <a:tblGrid>
+                <a:gridCol w="2050493"/>
+                <a:gridCol w="2663687"/>
+                <a:gridCol w="2796209"/>
+              </a:tblGrid>
+              <a:tr h="370840">
+                <a:tc>
+                  <a:txBody>
+                    <a:bodyPr/>
+                    <a:lstStyle/>
+                    <a:p>
+                      <a:r>
+                        <a:rPr lang="ru-RU" dirty="0" smtClean="0"/>
+                        <a:t>Количество событий</a:t>
+                      </a:r>
+                      <a:endParaRPr lang="ru-RU" dirty="0"/>
+                    </a:p>
+                  </a:txBody>
+                  <a:tcPr/>
+                </a:tc>
+                <a:tc>
+                  <a:txBody>
+                    <a:bodyPr/>
+                    <a:lstStyle/>
+                    <a:p>
+                      <a:pPr algn="ctr"/>
+                      <a:r>
+                        <a:rPr lang="en-US" dirty="0" err="1" smtClean="0"/>
+                        <a:t>ClickHouse</a:t>
+                      </a:r>
+                      <a:r>
+                        <a:rPr lang="en-US" dirty="0" smtClean="0"/>
+                        <a:t> + </a:t>
+                      </a:r>
+                      <a:r>
+                        <a:rPr lang="en-US" dirty="0" err="1" smtClean="0"/>
+                        <a:t>ClickHouse</a:t>
+                      </a:r>
+                      <a:r>
+                        <a:rPr lang="en-US" dirty="0" smtClean="0"/>
+                        <a:t>-Keeper (</a:t>
+                      </a:r>
+                      <a:r>
+                        <a:rPr lang="en-US" dirty="0" err="1" smtClean="0"/>
+                        <a:t>ZooKeeper</a:t>
+                      </a:r>
+                      <a:r>
+                        <a:rPr lang="en-US" dirty="0" smtClean="0"/>
+                        <a:t>)</a:t>
+                      </a:r>
+                      <a:endParaRPr lang="ru-RU" dirty="0"/>
+                    </a:p>
+                  </a:txBody>
+                  <a:tcPr/>
+                </a:tc>
+                <a:tc>
+                  <a:txBody>
+                    <a:bodyPr/>
+                    <a:lstStyle/>
+                    <a:p>
+                      <a:pPr algn="ctr"/>
+                      <a:r>
+                        <a:rPr lang="en-US" dirty="0" err="1" smtClean="0"/>
+                        <a:t>MongoDB</a:t>
+                      </a:r>
+                      <a:endParaRPr lang="ru-RU" dirty="0"/>
+                    </a:p>
+                  </a:txBody>
+                  <a:tcPr/>
+                </a:tc>
+              </a:tr>
+              <a:tr h="370840">
+                <a:tc>
+                  <a:txBody>
+                    <a:bodyPr/>
+                    <a:lstStyle/>
+                    <a:p>
+                      <a:r>
+                        <a:rPr lang="ru-RU" dirty="0" smtClean="0"/>
+                        <a:t>17 000 (запись)</a:t>
+                      </a:r>
+                      <a:endParaRPr lang="ru-RU" dirty="0"/>
+                    </a:p>
+                  </a:txBody>
+                  <a:tcPr/>
+                </a:tc>
+                <a:tc>
+                  <a:txBody>
+                    <a:bodyPr/>
+                    <a:lstStyle/>
+                    <a:p>
+                      <a:pPr algn="ctr"/>
+                      <a:r>
+                        <a:rPr lang="en-US" dirty="0" smtClean="0"/>
+                        <a:t>89,53 (</a:t>
+                      </a:r>
+                      <a:r>
+                        <a:rPr lang="ru-RU" dirty="0" smtClean="0"/>
+                        <a:t>32,7</a:t>
+                      </a:r>
+                      <a:r>
+                        <a:rPr lang="en-US" dirty="0" smtClean="0"/>
+                        <a:t>)</a:t>
+                      </a:r>
+                      <a:endParaRPr lang="ru-RU" dirty="0"/>
+                    </a:p>
+                  </a:txBody>
+                  <a:tcPr/>
+                </a:tc>
+                <a:tc>
+                  <a:txBody>
+                    <a:bodyPr/>
+                    <a:lstStyle/>
+                    <a:p>
+                      <a:pPr algn="ctr"/>
+                      <a:r>
+                        <a:rPr lang="en-US" dirty="0" smtClean="0"/>
+                        <a:t>1</a:t>
+                      </a:r>
+                      <a:r>
+                        <a:rPr lang="ru-RU" dirty="0" smtClean="0"/>
+                        <a:t>,</a:t>
+                      </a:r>
+                      <a:r>
+                        <a:rPr lang="en-US" dirty="0" smtClean="0"/>
+                        <a:t>9</a:t>
+                      </a:r>
+                      <a:endParaRPr lang="ru-RU" dirty="0"/>
+                    </a:p>
+                  </a:txBody>
+                  <a:tcPr/>
+                </a:tc>
+              </a:tr>
+              <a:tr h="370840">
+                <a:tc>
+                  <a:txBody>
+                    <a:bodyPr/>
+                    <a:lstStyle/>
+                    <a:p>
+                      <a:r>
+                        <a:rPr lang="ru-RU" dirty="0" smtClean="0"/>
+                        <a:t>86 000 (запись)</a:t>
+                      </a:r>
+                      <a:endParaRPr lang="ru-RU" dirty="0"/>
+                    </a:p>
+                  </a:txBody>
+                  <a:tcPr/>
+                </a:tc>
+                <a:tc>
+                  <a:txBody>
+                    <a:bodyPr/>
+                    <a:lstStyle/>
+                    <a:p>
+                      <a:pPr algn="ctr"/>
+                      <a:r>
+                        <a:rPr lang="en-US" dirty="0" smtClean="0"/>
+                        <a:t>626,76 (</a:t>
+                      </a:r>
+                      <a:r>
+                        <a:rPr lang="ru-RU" dirty="0" smtClean="0"/>
+                        <a:t>165,33</a:t>
+                      </a:r>
+                      <a:r>
+                        <a:rPr lang="en-US" dirty="0" smtClean="0"/>
+                        <a:t>)</a:t>
+                      </a:r>
+                      <a:endParaRPr lang="ru-RU" dirty="0"/>
+                    </a:p>
+                  </a:txBody>
+                  <a:tcPr/>
+                </a:tc>
+                <a:tc>
+                  <a:txBody>
+                    <a:bodyPr/>
+                    <a:lstStyle/>
+                    <a:p>
+                      <a:pPr algn="ctr"/>
+                      <a:r>
+                        <a:rPr lang="ru-RU" dirty="0" smtClean="0"/>
+                        <a:t>9,1</a:t>
+                      </a:r>
+                      <a:endParaRPr lang="ru-RU" dirty="0"/>
+                    </a:p>
+                  </a:txBody>
+                  <a:tcPr/>
+                </a:tc>
+              </a:tr>
+              <a:tr h="370840">
+                <a:tc>
+                  <a:txBody>
+                    <a:bodyPr/>
+                    <a:lstStyle/>
+                    <a:p>
+                      <a:r>
+                        <a:rPr lang="ru-RU" dirty="0" smtClean="0"/>
+                        <a:t>170 000 (запись)</a:t>
+                      </a:r>
+                      <a:endParaRPr lang="ru-RU" dirty="0"/>
+                    </a:p>
+                  </a:txBody>
+                  <a:tcPr/>
+                </a:tc>
+                <a:tc>
+                  <a:txBody>
+                    <a:bodyPr/>
+                    <a:lstStyle/>
+                    <a:p>
+                      <a:pPr algn="ctr"/>
+                      <a:r>
+                        <a:rPr lang="en-US" dirty="0" smtClean="0"/>
+                        <a:t>1381,76 (</a:t>
+                      </a:r>
+                      <a:r>
+                        <a:rPr lang="ru-RU" dirty="0" smtClean="0"/>
+                        <a:t>375</a:t>
+                      </a:r>
+                      <a:r>
+                        <a:rPr lang="en-US" dirty="0" smtClean="0"/>
+                        <a:t>)</a:t>
+                      </a:r>
+                      <a:endParaRPr lang="ru-RU" dirty="0"/>
+                    </a:p>
+                  </a:txBody>
+                  <a:tcPr/>
+                </a:tc>
+                <a:tc>
+                  <a:txBody>
+                    <a:bodyPr/>
+                    <a:lstStyle/>
+                    <a:p>
+                      <a:pPr algn="ctr"/>
+                      <a:r>
+                        <a:rPr lang="ru-RU" dirty="0" smtClean="0"/>
+                        <a:t>18,8</a:t>
+                      </a:r>
+                      <a:endParaRPr lang="ru-RU" dirty="0"/>
+                    </a:p>
+                  </a:txBody>
+                  <a:tcPr/>
+                </a:tc>
+              </a:tr>
+              <a:tr h="370840">
+                <a:tc>
+                  <a:txBody>
+                    <a:bodyPr/>
+                    <a:lstStyle/>
+                    <a:p>
+                      <a:r>
+                        <a:rPr lang="ru-RU" dirty="0" smtClean="0"/>
+                        <a:t>500 000 (запись)</a:t>
+                      </a:r>
+                      <a:endParaRPr lang="ru-RU" dirty="0"/>
+                    </a:p>
+                  </a:txBody>
+                  <a:tcPr/>
+                </a:tc>
+                <a:tc>
+                  <a:txBody>
+                    <a:bodyPr/>
+                    <a:lstStyle/>
+                    <a:p>
+                      <a:pPr algn="ctr"/>
+                      <a:r>
+                        <a:rPr lang="en-US" smtClean="0"/>
+                        <a:t>4562,67</a:t>
+                      </a:r>
+                      <a:r>
+                        <a:rPr lang="ru-RU" smtClean="0"/>
+                        <a:t> </a:t>
+                      </a:r>
+                      <a:r>
+                        <a:rPr lang="ru-RU" dirty="0" smtClean="0"/>
+                        <a:t>(</a:t>
+                      </a:r>
+                      <a:r>
+                        <a:rPr lang="ru-RU" dirty="0" smtClean="0"/>
+                        <a:t>1278,45)</a:t>
+                      </a:r>
+                      <a:endParaRPr lang="ru-RU" dirty="0"/>
+                    </a:p>
+                  </a:txBody>
+                  <a:tcPr/>
+                </a:tc>
+                <a:tc>
+                  <a:txBody>
+                    <a:bodyPr/>
+                    <a:lstStyle/>
+                    <a:p>
+                      <a:pPr algn="ctr"/>
+                      <a:r>
+                        <a:rPr lang="ru-RU" dirty="0" smtClean="0"/>
+                        <a:t>57,5</a:t>
+                      </a:r>
+                      <a:endParaRPr lang="ru-RU" dirty="0"/>
+                    </a:p>
+                  </a:txBody>
+                  <a:tcPr/>
+                </a:tc>
+              </a:tr>
+            </a:tbl>
+          </a:graphicData>
+        </a:graphic>
+      </p:graphicFrame>
+    </p:spTree>
+    <p:extLst>
+      <p:ext uri="{BB962C8B-B14F-4D97-AF65-F5344CB8AC3E}">
+        <p14:creationId xmlns:p14="http://schemas.microsoft.com/office/powerpoint/2010/main" val="1509293498"/>
+      </p:ext>
+    </p:extLst>
+  </p:cSld>
+  <p:clrMapOvr>
+    <a:masterClrMapping/>
+  </p:clrMapOvr>
+</p:sld>
+</file>
+
+<file path=ppt/slides/slide23.xml><?xml version="1.0" encoding="utf-8"?>
 <p:sld xmlns:a="http://schemas.openxmlformats.org/drawingml/2006/main" xmlns:r="http://schemas.openxmlformats.org/officeDocument/2006/relationships" xmlns:p="http://schemas.openxmlformats.org/presentationml/2006/main">
   <p:cSld>
     <p:spTree>
@@ -13027,14 +14377,14 @@
           <p:nvPr>
             <p:extLst>
               <p:ext uri="{D42A27DB-BD31-4B8C-83A1-F6EECF244321}">
-                <p14:modId xmlns:p14="http://schemas.microsoft.com/office/powerpoint/2010/main" val="45151916"/>
+                <p14:modId xmlns:p14="http://schemas.microsoft.com/office/powerpoint/2010/main" val="3687322962"/>
               </p:ext>
             </p:extLst>
           </p:nvPr>
         </p:nvGraphicFramePr>
         <p:xfrm>
           <a:off x="627822" y="1205948"/>
-          <a:ext cx="7239000" cy="1852892"/>
+          <a:ext cx="7239000" cy="1778478"/>
         </p:xfrm>
         <a:graphic>
           <a:graphicData uri="http://schemas.openxmlformats.org/drawingml/2006/table">
@@ -13173,6 +14523,42 @@
                           <a:sym typeface="Roboto"/>
                         </a:rPr>
                         <a:t>MongoDB</a:t>
+                      </a:r>
+                      <a:r>
+                        <a:rPr lang="en-US" sz="1300" baseline="0" dirty="0" smtClean="0">
+                          <a:latin typeface="Roboto"/>
+                          <a:ea typeface="Roboto"/>
+                          <a:cs typeface="Roboto"/>
+                          <a:sym typeface="Roboto"/>
+                        </a:rPr>
+                        <a:t>. </a:t>
+                      </a:r>
+                      <a:r>
+                        <a:rPr lang="ru-RU" sz="1300" baseline="0" dirty="0" smtClean="0">
+                          <a:latin typeface="Roboto"/>
+                          <a:ea typeface="Roboto"/>
+                          <a:cs typeface="Roboto"/>
+                          <a:sym typeface="Roboto"/>
+                        </a:rPr>
+                        <a:t>При вставке данных </a:t>
+                      </a:r>
+                      <a:r>
+                        <a:rPr lang="ru-RU" sz="1300" baseline="0" dirty="0" err="1" smtClean="0">
+                          <a:latin typeface="Roboto"/>
+                          <a:ea typeface="Roboto"/>
+                          <a:cs typeface="Roboto"/>
+                          <a:sym typeface="Roboto"/>
+                        </a:rPr>
+                        <a:t>батчами</a:t>
+                      </a:r>
+                      <a:r>
+                        <a:rPr lang="ru-RU" sz="1300" baseline="0" dirty="0" smtClean="0">
+                          <a:latin typeface="Roboto"/>
+                          <a:ea typeface="Roboto"/>
+                          <a:cs typeface="Roboto"/>
+                          <a:sym typeface="Roboto"/>
+                        </a:rPr>
+                        <a:t>, разрыв в скорости становится незначительным.</a:t>
                       </a:r>
                       <a:endParaRPr sz="1300" dirty="0">
                         <a:latin typeface="Roboto"/>
@@ -13398,6 +14784,15 @@
                         </a:rPr>
                         <a:t>-Keeper</a:t>
                       </a:r>
+                      <a:r>
+                        <a:rPr lang="ru-RU" sz="1300" baseline="0" dirty="0" smtClean="0">
+                          <a:latin typeface="Roboto"/>
+                          <a:ea typeface="Roboto"/>
+                          <a:cs typeface="Roboto"/>
+                          <a:sym typeface="Roboto"/>
+                        </a:rPr>
+                        <a:t>.</a:t>
+                      </a:r>
                       <a:endParaRPr sz="1300" dirty="0">
                         <a:latin typeface="Roboto"/>
                         <a:ea typeface="Roboto"/>
@@ -13598,184 +14993,36 @@
                           <a:cs typeface="Roboto"/>
                           <a:sym typeface="Roboto"/>
                         </a:rPr>
-                        <a:t> обладает более развитыми аналитическими функциями и выходные данные можно сразу использовать для отображения данных</a:t>
+                        <a:t> обладает более развитыми аналитическими функциями и выходные данные можно сразу использовать для отображения </a:t>
                       </a:r>
-                      <a:endParaRPr lang="en-US" sz="1300" dirty="0" smtClean="0">
-                        <a:latin typeface="Roboto"/>
-                        <a:ea typeface="Roboto"/>
-                        <a:cs typeface="Roboto"/>
-                        <a:sym typeface="Roboto"/>
-                      </a:endParaRPr>
-                    </a:p>
-                  </a:txBody>
-                  <a:tcPr marL="198000" marR="91425" marT="68575" marB="68575">
-                    <a:lnL w="9525" cap="flat" cmpd="sng">
-                      <a:solidFill>
-                        <a:schemeClr val="lt1">
-                          <a:alpha val="0"/>
-                        </a:schemeClr>
-                      </a:solidFill>
-                      <a:prstDash val="solid"/>
-                      <a:round/>
-                      <a:headEnd type="none" w="sm" len="sm"/>
-                      <a:tailEnd type="none" w="sm" len="sm"/>
-                    </a:lnL>
-                    <a:lnR w="9525" cap="flat" cmpd="sng">
-                      <a:solidFill>
-                        <a:srgbClr val="BFC1F0">
-                          <a:alpha val="0"/>
-                        </a:srgbClr>
-                      </a:solidFill>
-                      <a:prstDash val="solid"/>
-                      <a:round/>
-                      <a:headEnd type="none" w="sm" len="sm"/>
-                      <a:tailEnd type="none" w="sm" len="sm"/>
-                    </a:lnR>
-                    <a:lnT w="9525" cap="flat" cmpd="sng">
-                      <a:solidFill>
-                        <a:srgbClr val="9E9E9E"/>
-                      </a:solidFill>
-                      <a:prstDash val="solid"/>
-                      <a:round/>
-                      <a:headEnd type="none" w="sm" len="sm"/>
-                      <a:tailEnd type="none" w="sm" len="sm"/>
-                    </a:lnT>
-                    <a:lnB w="9525" cap="flat" cmpd="sng">
-                      <a:solidFill>
-                        <a:srgbClr val="9E9E9E"/>
-                      </a:solidFill>
-                      <a:prstDash val="solid"/>
-                      <a:round/>
-                      <a:headEnd type="none" w="sm" len="sm"/>
-                      <a:tailEnd type="none" w="sm" len="sm"/>
-                    </a:lnB>
-                  </a:tcPr>
-                </a:tc>
-              </a:tr>
-              <a:tr h="285750">
-                <a:tc>
-                  <a:txBody>
-                    <a:bodyPr/>
-                    <a:lstStyle/>
-                    <a:p>
-                      <a:pPr marL="0" lvl="0" indent="0" algn="l" rtl="0">
-                        <a:spcBef>
-                          <a:spcPts val="0"/>
-                        </a:spcBef>
-                        <a:spcAft>
-                          <a:spcPts val="0"/>
-                        </a:spcAft>
-                        <a:buNone/>
-                      </a:pPr>
                       <a:r>
-                        <a:rPr lang="ru" sz="1300" b="1">
-                          <a:solidFill>
-                            <a:srgbClr val="FF9900"/>
-                          </a:solidFill>
+                        <a:rPr lang="ru-RU" sz="1300" baseline="0" dirty="0" smtClean="0">
                           <a:latin typeface="Roboto"/>
                           <a:ea typeface="Roboto"/>
                           <a:cs typeface="Roboto"/>
                           <a:sym typeface="Roboto"/>
                         </a:rPr>
-                        <a:t>4.</a:t>
+                        <a:t>данных (например использую </a:t>
                       </a:r>
-                      <a:endParaRPr sz="1300" b="1">
-                        <a:solidFill>
-                          <a:srgbClr val="FF9900"/>
-                        </a:solidFill>
-                        <a:latin typeface="Roboto"/>
-                        <a:ea typeface="Roboto"/>
-                        <a:cs typeface="Roboto"/>
-                        <a:sym typeface="Roboto"/>
-                      </a:endParaRPr>
-                    </a:p>
-                  </a:txBody>
-                  <a:tcPr marL="198000" marR="91425" marT="68575" marB="68575">
-                    <a:lnL w="9525" cap="flat" cmpd="sng">
-                      <a:solidFill>
-                        <a:srgbClr val="BFC1F0">
-                          <a:alpha val="0"/>
-                        </a:srgbClr>
-                      </a:solidFill>
-                      <a:prstDash val="solid"/>
-                      <a:round/>
-                      <a:headEnd type="none" w="sm" len="sm"/>
-                      <a:tailEnd type="none" w="sm" len="sm"/>
-                    </a:lnL>
-                    <a:lnR w="9525" cap="flat" cmpd="sng">
-                      <a:solidFill>
-                        <a:schemeClr val="lt1">
-                          <a:alpha val="0"/>
-                        </a:schemeClr>
-                      </a:solidFill>
-                      <a:prstDash val="solid"/>
-                      <a:round/>
-                      <a:headEnd type="none" w="sm" len="sm"/>
-                      <a:tailEnd type="none" w="sm" len="sm"/>
-                    </a:lnR>
-                    <a:lnT w="9525" cap="flat" cmpd="sng">
-                      <a:solidFill>
-                        <a:srgbClr val="9E9E9E"/>
-                      </a:solidFill>
-                      <a:prstDash val="solid"/>
-                      <a:round/>
-                      <a:headEnd type="none" w="sm" len="sm"/>
-                      <a:tailEnd type="none" w="sm" len="sm"/>
-                    </a:lnT>
-                    <a:lnB w="9525" cap="flat" cmpd="sng">
-                      <a:solidFill>
-                        <a:srgbClr val="9E9E9E"/>
-                      </a:solidFill>
-                      <a:prstDash val="solid"/>
-                      <a:round/>
-                      <a:headEnd type="none" w="sm" len="sm"/>
-                      <a:tailEnd type="none" w="sm" len="sm"/>
-                    </a:lnB>
-                  </a:tcPr>
-                </a:tc>
-                <a:tc>
-                  <a:txBody>
-                    <a:bodyPr/>
-                    <a:lstStyle/>
-                    <a:p>
-                      <a:pPr marL="0" marR="0" lvl="0" indent="0" algn="l" defTabSz="914400" rtl="0" eaLnBrk="1" fontAlgn="auto" latinLnBrk="0" hangingPunct="1">
-                        <a:lnSpc>
-                          <a:spcPct val="115000"/>
-                        </a:lnSpc>
-                        <a:spcBef>
-                          <a:spcPts val="0"/>
-                        </a:spcBef>
-                        <a:spcAft>
-                          <a:spcPts val="0"/>
-                        </a:spcAft>
-                        <a:buClr>
-                          <a:srgbClr val="000000"/>
-                        </a:buClr>
-                        <a:buSzTx/>
-                        <a:buFont typeface="Arial"/>
-                        <a:buNone/>
-                        <a:tabLst/>
-                        <a:defRPr/>
-                      </a:pPr>
                       <a:r>
-                        <a:rPr lang="ru-RU" sz="1300" dirty="0" smtClean="0">
+                        <a:rPr lang="en-US" sz="1300" baseline="0" dirty="0" err="1" smtClean="0">
                           <a:latin typeface="Roboto"/>
                           <a:ea typeface="Roboto"/>
                           <a:cs typeface="Roboto"/>
                           <a:sym typeface="Roboto"/>
                         </a:rPr>
-                        <a:t>В планах повторить тест, но вставку производить </a:t>
+                        <a:t>SuperSet</a:t>
                       </a:r>
                       <a:r>
-                        <a:rPr lang="ru-RU" sz="1300" baseline="0" dirty="0" err="1" smtClean="0">
+                        <a:rPr lang="en-US" sz="1300" baseline="0" dirty="0" smtClean="0">
                           <a:latin typeface="Roboto"/>
                           <a:ea typeface="Roboto"/>
                           <a:cs typeface="Roboto"/>
                           <a:sym typeface="Roboto"/>
                         </a:rPr>
-                        <a:t>батчами</a:t>
+                        <a:t>)</a:t>
                       </a:r>
-                      <a:endParaRPr lang="ru-RU" sz="1300" dirty="0" smtClean="0">
+                      <a:endParaRPr lang="en-US" sz="1300" dirty="0" smtClean="0">
                         <a:latin typeface="Roboto"/>
                         <a:ea typeface="Roboto"/>
                         <a:cs typeface="Roboto"/>
@@ -13839,7 +15086,7 @@
 </p:sld>
 </file>
 
-<file path=ppt/slides/slide22.xml><?xml version="1.0" encoding="utf-8"?>
+<file path=ppt/slides/slide24.xml><?xml version="1.0" encoding="utf-8"?>
 <p:sld xmlns:a="http://schemas.openxmlformats.org/drawingml/2006/main" xmlns:r="http://schemas.openxmlformats.org/officeDocument/2006/relationships" xmlns:p="http://schemas.openxmlformats.org/presentationml/2006/main">
   <p:cSld>
     <p:spTree>
@@ -15339,7 +16586,7 @@
         </p:nvGraphicFramePr>
         <p:xfrm>
           <a:off x="952500" y="1544194"/>
-          <a:ext cx="7239000" cy="2112098"/>
+          <a:ext cx="7239000" cy="2143466"/>
         </p:xfrm>
         <a:graphic>
           <a:graphicData uri="http://schemas.openxmlformats.org/drawingml/2006/table">
@@ -16264,7 +17511,7 @@
         </p:nvGraphicFramePr>
         <p:xfrm>
           <a:off x="952500" y="1544194"/>
-          <a:ext cx="7239000" cy="1777888"/>
+          <a:ext cx="7239000" cy="1824940"/>
         </p:xfrm>
         <a:graphic>
           <a:graphicData uri="http://schemas.openxmlformats.org/drawingml/2006/table">
@@ -17665,46 +18912,6 @@
       </p:grpSpPr>
       <p:sp>
         <p:nvSpPr>
-          <p:cNvPr id="2" name="Скругленный прямоугольник 1"/>
-          <p:cNvSpPr/>
-          <p:nvPr/>
-        </p:nvSpPr>
-        <p:spPr>
-          <a:xfrm>
-            <a:off x="145774" y="1775791"/>
-            <a:ext cx="3617843" cy="2935247"/>
-          </a:xfrm>
-          <a:prstGeom prst="roundRect">
-            <a:avLst/>
-          </a:prstGeom>
-        </p:spPr>
-        <p:style>
-          <a:lnRef idx="2">
-            <a:schemeClr val="accent1">
-              <a:shade val="50000"/>
-            </a:schemeClr>
-          </a:lnRef>
-          <a:fillRef idx="1">
-            <a:schemeClr val="accent1"/>
-          </a:fillRef>
-          <a:effectRef idx="0">
-            <a:schemeClr val="accent1"/>
-          </a:effectRef>
-          <a:fontRef idx="minor">
-            <a:schemeClr val="lt1"/>
-          </a:fontRef>
-        </p:style>
-        <p:txBody>
-          <a:bodyPr rtlCol="0" anchor="ctr"/>
-          <a:lstStyle/>
-          <a:p>
-            <a:pPr algn="ctr"/>
-            <a:endParaRPr lang="ru-RU"/>
-          </a:p>
-        </p:txBody>
-      </p:sp>
-      <p:sp>
-        <p:nvSpPr>
           <p:cNvPr id="135" name="Google Shape;135;p24"/>
           <p:cNvSpPr txBox="1">
             <a:spLocks noGrp="1"/>
@@ -17738,28 +18945,8 @@
               <a:buNone/>
             </a:pPr>
             <a:r>
-              <a:rPr lang="ru" sz="3000" dirty="0"/>
-              <a:t>Схемы (</a:t>
-            </a:r>
-            <a:r>
-              <a:rPr lang="ru" sz="3000" dirty="0" smtClean="0"/>
-              <a:t>архитектура </a:t>
-            </a:r>
-            <a:r>
               <a:rPr lang="ru-RU" sz="3000" dirty="0" smtClean="0"/>
-              <a:t>кластера</a:t>
-            </a:r>
-            <a:r>
-              <a:rPr lang="ru" sz="3000" dirty="0" smtClean="0"/>
-              <a:t> </a:t>
-            </a:r>
-            <a:r>
-              <a:rPr lang="en-US" sz="3000" dirty="0" err="1" smtClean="0"/>
-              <a:t>Clickhouse</a:t>
-            </a:r>
-            <a:r>
-              <a:rPr lang="ru" sz="3000" dirty="0" smtClean="0"/>
-              <a:t>)</a:t>
+              <a:t>Характеристики стенда</a:t>
             </a:r>
             <a:endParaRPr sz="3000" dirty="0"/>
           </a:p>
@@ -17801,429 +18988,6 @@
           </a:p>
         </p:txBody>
       </p:sp>
-      <p:pic>
-        <p:nvPicPr>
-          <p:cNvPr id="4" name="Google Shape;172;p28"/>
-          <p:cNvPicPr preferRelativeResize="0"/>
-          <p:nvPr/>
-        </p:nvPicPr>
-        <p:blipFill rotWithShape="1">
-          <a:blip r:embed="rId3">
-            <a:alphaModFix/>
-          </a:blip>
-          <a:srcRect/>
-          <a:stretch/>
-        </p:blipFill>
-        <p:spPr>
-          <a:xfrm>
-            <a:off x="692541" y="3424788"/>
-            <a:ext cx="620721" cy="620719"/>
-          </a:xfrm>
-          <a:prstGeom prst="rect">
-            <a:avLst/>
-          </a:prstGeom>
-          <a:noFill/>
-          <a:ln>
-            <a:noFill/>
-          </a:ln>
-        </p:spPr>
-      </p:pic>
-      <p:pic>
-        <p:nvPicPr>
-          <p:cNvPr id="5" name="Google Shape;172;p28"/>
-          <p:cNvPicPr preferRelativeResize="0"/>
-          <p:nvPr/>
-        </p:nvPicPr>
-        <p:blipFill rotWithShape="1">
-          <a:blip r:embed="rId3">
-            <a:alphaModFix/>
-          </a:blip>
-          <a:srcRect/>
-          <a:stretch/>
-        </p:blipFill>
-        <p:spPr>
-          <a:xfrm>
-            <a:off x="2329184" y="3424788"/>
-            <a:ext cx="620721" cy="620719"/>
-          </a:xfrm>
-          <a:prstGeom prst="rect">
-            <a:avLst/>
-          </a:prstGeom>
-          <a:noFill/>
-          <a:ln>
-            <a:noFill/>
-          </a:ln>
-        </p:spPr>
-      </p:pic>
-      <p:pic>
-        <p:nvPicPr>
-          <p:cNvPr id="6" name="Google Shape;172;p28"/>
-          <p:cNvPicPr preferRelativeResize="0"/>
-          <p:nvPr/>
-        </p:nvPicPr>
-        <p:blipFill rotWithShape="1">
-          <a:blip r:embed="rId3">
-            <a:alphaModFix/>
-          </a:blip>
-          <a:srcRect/>
-          <a:stretch/>
-        </p:blipFill>
-        <p:spPr>
-          <a:xfrm>
-            <a:off x="1485541" y="2002762"/>
-            <a:ext cx="620721" cy="620719"/>
-          </a:xfrm>
-          <a:prstGeom prst="rect">
-            <a:avLst/>
-          </a:prstGeom>
-          <a:noFill/>
-          <a:ln>
-            <a:noFill/>
-          </a:ln>
-        </p:spPr>
-      </p:pic>
-      <p:sp>
-        <p:nvSpPr>
-          <p:cNvPr id="3" name="TextBox 2"/>
-          <p:cNvSpPr txBox="1"/>
-          <p:nvPr/>
-        </p:nvSpPr>
-        <p:spPr>
-          <a:xfrm>
-            <a:off x="2106262" y="2002762"/>
-            <a:ext cx="1457450" cy="600164"/>
-          </a:xfrm>
-          <a:prstGeom prst="rect">
-            <a:avLst/>
-          </a:prstGeom>
-          <a:noFill/>
-        </p:spPr>
-        <p:txBody>
-          <a:bodyPr wrap="none" rtlCol="0">
-            <a:spAutoFit/>
-          </a:bodyPr>
-          <a:lstStyle/>
-          <a:p>
-            <a:r>
-              <a:rPr lang="en-US" sz="1100" dirty="0" smtClean="0"/>
-              <a:t>Clickhouse-Keeper1</a:t>
-            </a:r>
-          </a:p>
-          <a:p>
-            <a:r>
-              <a:rPr lang="en-US" sz="1100" dirty="0" smtClean="0"/>
-              <a:t>2 CPU</a:t>
-            </a:r>
-          </a:p>
-          <a:p>
-            <a:r>
-              <a:rPr lang="en-US" sz="1100" dirty="0" smtClean="0"/>
-              <a:t>2Gb Ram</a:t>
-            </a:r>
-            <a:endParaRPr lang="ru-RU" sz="1100" dirty="0"/>
-          </a:p>
-        </p:txBody>
-      </p:sp>
-      <p:sp>
-        <p:nvSpPr>
-          <p:cNvPr id="9" name="TextBox 8"/>
-          <p:cNvSpPr txBox="1"/>
-          <p:nvPr/>
-        </p:nvSpPr>
-        <p:spPr>
-          <a:xfrm>
-            <a:off x="2085403" y="4045507"/>
-            <a:ext cx="1457450" cy="600164"/>
-          </a:xfrm>
-          <a:prstGeom prst="rect">
-            <a:avLst/>
-          </a:prstGeom>
-          <a:noFill/>
-        </p:spPr>
-        <p:txBody>
-          <a:bodyPr wrap="none" rtlCol="0">
-            <a:spAutoFit/>
-          </a:bodyPr>
-          <a:lstStyle/>
-          <a:p>
-            <a:r>
-              <a:rPr lang="en-US" sz="1100" dirty="0" smtClean="0"/>
-              <a:t>Clickhouse-Keeper3</a:t>
-            </a:r>
-          </a:p>
-          <a:p>
-            <a:r>
-              <a:rPr lang="en-US" sz="1100" dirty="0" smtClean="0"/>
-              <a:t>2 CPU</a:t>
-            </a:r>
-          </a:p>
-          <a:p>
-            <a:r>
-              <a:rPr lang="en-US" sz="1100" dirty="0" smtClean="0"/>
-              <a:t>2Gb Ram</a:t>
-            </a:r>
-            <a:endParaRPr lang="ru-RU" sz="1100" dirty="0"/>
-          </a:p>
-        </p:txBody>
-      </p:sp>
-      <p:sp>
-        <p:nvSpPr>
-          <p:cNvPr id="10" name="TextBox 9"/>
-          <p:cNvSpPr txBox="1"/>
-          <p:nvPr/>
-        </p:nvSpPr>
-        <p:spPr>
-          <a:xfrm>
-            <a:off x="363773" y="4045507"/>
-            <a:ext cx="1457450" cy="600164"/>
-          </a:xfrm>
-          <a:prstGeom prst="rect">
-            <a:avLst/>
-          </a:prstGeom>
-          <a:noFill/>
-        </p:spPr>
-        <p:txBody>
-          <a:bodyPr wrap="none" rtlCol="0">
-            <a:spAutoFit/>
-          </a:bodyPr>
-          <a:lstStyle/>
-          <a:p>
-            <a:r>
-              <a:rPr lang="en-US" sz="1100" dirty="0" smtClean="0"/>
-              <a:t>Clickhouse-Keeper2</a:t>
-            </a:r>
-          </a:p>
-          <a:p>
-            <a:r>
-              <a:rPr lang="en-US" sz="1100" dirty="0" smtClean="0"/>
-              <a:t>2 CPU</a:t>
-            </a:r>
-          </a:p>
-          <a:p>
-            <a:r>
-              <a:rPr lang="en-US" sz="1100" dirty="0" smtClean="0"/>
-              <a:t>2Gb Ram</a:t>
-            </a:r>
-            <a:endParaRPr lang="ru-RU" sz="1100" dirty="0"/>
-          </a:p>
-        </p:txBody>
-      </p:sp>
-      <p:pic>
-        <p:nvPicPr>
-          <p:cNvPr id="11" name="Google Shape;301;p30"/>
-          <p:cNvPicPr preferRelativeResize="0"/>
-          <p:nvPr/>
-        </p:nvPicPr>
-        <p:blipFill rotWithShape="1">
-          <a:blip r:embed="rId4">
-            <a:alphaModFix/>
-          </a:blip>
-          <a:srcRect/>
-          <a:stretch/>
-        </p:blipFill>
-        <p:spPr>
-          <a:xfrm>
-            <a:off x="1587865" y="3527112"/>
-            <a:ext cx="416072" cy="416069"/>
-          </a:xfrm>
-          <a:prstGeom prst="rect">
-            <a:avLst/>
-          </a:prstGeom>
-          <a:noFill/>
-          <a:ln>
-            <a:noFill/>
-          </a:ln>
-        </p:spPr>
-      </p:pic>
-      <p:pic>
-        <p:nvPicPr>
-          <p:cNvPr id="12" name="Google Shape;301;p30"/>
-          <p:cNvPicPr preferRelativeResize="0"/>
-          <p:nvPr/>
-        </p:nvPicPr>
-        <p:blipFill rotWithShape="1">
-          <a:blip r:embed="rId4">
-            <a:alphaModFix/>
-          </a:blip>
-          <a:srcRect/>
-          <a:stretch/>
-        </p:blipFill>
-        <p:spPr>
-          <a:xfrm rot="18205884">
-            <a:off x="884462" y="2710391"/>
-            <a:ext cx="416072" cy="416069"/>
-          </a:xfrm>
-          <a:prstGeom prst="rect">
-            <a:avLst/>
-          </a:prstGeom>
-          <a:noFill/>
-          <a:ln>
-            <a:noFill/>
-          </a:ln>
-        </p:spPr>
-      </p:pic>
-      <p:pic>
-        <p:nvPicPr>
-          <p:cNvPr id="13" name="Google Shape;301;p30"/>
-          <p:cNvPicPr preferRelativeResize="0"/>
-          <p:nvPr/>
-        </p:nvPicPr>
-        <p:blipFill rotWithShape="1">
-          <a:blip r:embed="rId4">
-            <a:alphaModFix/>
-          </a:blip>
-          <a:srcRect/>
-          <a:stretch/>
-        </p:blipFill>
-        <p:spPr>
-          <a:xfrm rot="3656666">
-            <a:off x="2078790" y="2732722"/>
-            <a:ext cx="416072" cy="416069"/>
-          </a:xfrm>
-          <a:prstGeom prst="rect">
-            <a:avLst/>
-          </a:prstGeom>
-          <a:noFill/>
-          <a:ln>
-            <a:noFill/>
-          </a:ln>
-        </p:spPr>
-      </p:pic>
-      <p:pic>
-        <p:nvPicPr>
-          <p:cNvPr id="14" name="Google Shape;166;p28"/>
-          <p:cNvPicPr preferRelativeResize="0"/>
-          <p:nvPr/>
-        </p:nvPicPr>
-        <p:blipFill rotWithShape="1">
-          <a:blip r:embed="rId5">
-            <a:alphaModFix/>
-          </a:blip>
-          <a:srcRect/>
-          <a:stretch/>
-        </p:blipFill>
-        <p:spPr>
-          <a:xfrm>
-            <a:off x="5315274" y="1775791"/>
-            <a:ext cx="620721" cy="620719"/>
-          </a:xfrm>
-          <a:prstGeom prst="rect">
-            <a:avLst/>
-          </a:prstGeom>
-          <a:noFill/>
-          <a:ln>
-            <a:noFill/>
-          </a:ln>
-        </p:spPr>
-      </p:pic>
-      <p:pic>
-        <p:nvPicPr>
-          <p:cNvPr id="15" name="Google Shape;166;p28"/>
-          <p:cNvPicPr preferRelativeResize="0"/>
-          <p:nvPr/>
-        </p:nvPicPr>
-        <p:blipFill rotWithShape="1">
-          <a:blip r:embed="rId5">
-            <a:alphaModFix/>
-          </a:blip>
-          <a:srcRect/>
-          <a:stretch/>
-        </p:blipFill>
-        <p:spPr>
-          <a:xfrm>
-            <a:off x="5315274" y="3935032"/>
-            <a:ext cx="620721" cy="620719"/>
-          </a:xfrm>
-          <a:prstGeom prst="rect">
-            <a:avLst/>
-          </a:prstGeom>
-          <a:noFill/>
-          <a:ln>
-            <a:noFill/>
-          </a:ln>
-        </p:spPr>
-      </p:pic>
-      <p:pic>
-        <p:nvPicPr>
-          <p:cNvPr id="16" name="Google Shape;301;p30"/>
-          <p:cNvPicPr preferRelativeResize="0"/>
-          <p:nvPr/>
-        </p:nvPicPr>
-        <p:blipFill rotWithShape="1">
-          <a:blip r:embed="rId4">
-            <a:alphaModFix/>
-          </a:blip>
-          <a:srcRect/>
-          <a:stretch/>
-        </p:blipFill>
-        <p:spPr>
-          <a:xfrm>
-            <a:off x="4363467" y="3945995"/>
-            <a:ext cx="416072" cy="416069"/>
-          </a:xfrm>
-          <a:prstGeom prst="rect">
-            <a:avLst/>
-          </a:prstGeom>
-          <a:noFill/>
-          <a:ln>
-            <a:noFill/>
-          </a:ln>
-        </p:spPr>
-      </p:pic>
-      <p:pic>
-        <p:nvPicPr>
-          <p:cNvPr id="17" name="Google Shape;301;p30"/>
-          <p:cNvPicPr preferRelativeResize="0"/>
-          <p:nvPr/>
-        </p:nvPicPr>
-        <p:blipFill rotWithShape="1">
-          <a:blip r:embed="rId4">
-            <a:alphaModFix/>
-          </a:blip>
-          <a:srcRect/>
-          <a:stretch/>
-        </p:blipFill>
-        <p:spPr>
-          <a:xfrm>
-            <a:off x="4331409" y="1886775"/>
-            <a:ext cx="416072" cy="416069"/>
-          </a:xfrm>
-          <a:prstGeom prst="rect">
-            <a:avLst/>
-          </a:prstGeom>
-          <a:noFill/>
-          <a:ln>
-            <a:noFill/>
-          </a:ln>
-        </p:spPr>
-      </p:pic>
-      <p:pic>
-        <p:nvPicPr>
-          <p:cNvPr id="18" name="Google Shape;301;p30"/>
-          <p:cNvPicPr preferRelativeResize="0"/>
-          <p:nvPr/>
-        </p:nvPicPr>
-        <p:blipFill rotWithShape="1">
-          <a:blip r:embed="rId4">
-            <a:alphaModFix/>
-          </a:blip>
-          <a:srcRect/>
-          <a:stretch/>
-        </p:blipFill>
-        <p:spPr>
-          <a:xfrm rot="5400000">
-            <a:off x="5413745" y="2901361"/>
-            <a:ext cx="416072" cy="416069"/>
-          </a:xfrm>
-          <a:prstGeom prst="rect">
-            <a:avLst/>
-          </a:prstGeom>
-          <a:noFill/>
-          <a:ln>
-            <a:noFill/>
-          </a:ln>
-        </p:spPr>
-      </p:pic>
       <p:sp>
         <p:nvSpPr>
           <p:cNvPr id="19" name="TextBox 18"/>
@@ -18232,8 +18996,8 @@
         </p:nvSpPr>
         <p:spPr>
           <a:xfrm>
-            <a:off x="6115045" y="1775791"/>
-            <a:ext cx="1417376" cy="600164"/>
+            <a:off x="429861" y="1245704"/>
+            <a:ext cx="8362955" cy="2554545"/>
           </a:xfrm>
           <a:prstGeom prst="rect">
             <a:avLst/>
@@ -18241,70 +19005,111 @@
           <a:noFill/>
         </p:spPr>
         <p:txBody>
-          <a:bodyPr wrap="none" rtlCol="0">
+          <a:bodyPr wrap="square" rtlCol="0">
             <a:spAutoFit/>
           </a:bodyPr>
           <a:lstStyle/>
           <a:p>
             <a:r>
-              <a:rPr lang="en-US" sz="1100" dirty="0" smtClean="0"/>
-              <a:t>Clickhouse-Server1</a:t>
+              <a:rPr lang="en-US" sz="2000" dirty="0" smtClean="0"/>
+              <a:t>CPU</a:t>
             </a:r>
-          </a:p>
-          <a:p>
             <a:r>
-              <a:rPr lang="en-US" sz="1100" dirty="0" smtClean="0"/>
-              <a:t>4 CPU</a:t>
+              <a:rPr lang="ru-RU" sz="2000" dirty="0" smtClean="0"/>
+              <a:t> </a:t>
             </a:r>
-          </a:p>
-          <a:p>
             <a:r>
-              <a:rPr lang="en-US" sz="1100" dirty="0" smtClean="0"/>
-              <a:t>4Gb Ram</a:t>
+              <a:rPr lang="en-US" sz="2000" dirty="0" smtClean="0"/>
+              <a:t>Intel(R</a:t>
             </a:r>
-            <a:endParaRPr lang="ru-RU" sz="1100" dirty="0"/>
-          </a:p>
-        </p:txBody>
-      </p:sp>
-      <p:sp>
-        <p:nvSpPr>
-          <p:cNvPr id="20" name="TextBox 19"/>
-          <p:cNvSpPr txBox="1"/>
-          <p:nvPr/>
-        </p:nvSpPr>
-        <p:spPr>
-          <a:xfrm>
-            <a:off x="6115045" y="3955587"/>
-            <a:ext cx="1417376" cy="600164"/>
-          </a:xfrm>
-          <a:prstGeom prst="rect">
-            <a:avLst/>
-          </a:prstGeom>
-          <a:noFill/>
-        </p:spPr>
-        <p:txBody>
-          <a:bodyPr wrap="none" rtlCol="0">
-            <a:spAutoFit/>
-          </a:bodyPr>
-          <a:lstStyle/>
-          <a:p>
             <a:r>
-              <a:rPr lang="en-US" sz="1100" dirty="0" smtClean="0"/>
-              <a:t>Clickhouse-Server2</a:t>
+              <a:rPr lang="en-US" sz="2000" dirty="0"/>
+              <a:t>) Xeon(R) CPU E5-2690 v4 @ </a:t>
             </a:r>
-          </a:p>
-          <a:p>
             <a:r>
-              <a:rPr lang="en-US" sz="1100" dirty="0" smtClean="0"/>
-              <a:t>4 CPU</a:t>
+              <a:rPr lang="en-US" sz="2000" dirty="0" smtClean="0"/>
+              <a:t>2.60GHz</a:t>
             </a:r>
-          </a:p>
-          <a:p>
             <a:r>
-              <a:rPr lang="en-US" sz="1100" dirty="0" smtClean="0"/>
-              <a:t>4Gb Ram</a:t>
+              <a:rPr lang="ru-RU" sz="2000" dirty="0" smtClean="0"/>
+              <a:t> </a:t>
             </a:r>
-            <a:endParaRPr lang="ru-RU" sz="1100" dirty="0"/>
+            <a:r>
+              <a:rPr lang="en-US" sz="2000" dirty="0" smtClean="0"/>
+              <a:t>Cores</a:t>
+            </a:r>
+            <a:r>
+              <a:rPr lang="en-US" sz="2000" dirty="0"/>
+              <a:t>:	</a:t>
+            </a:r>
+            <a:r>
+              <a:rPr lang="ru-RU" sz="2000" dirty="0" smtClean="0"/>
+              <a:t> </a:t>
+            </a:r>
+            <a:r>
+              <a:rPr lang="en-US" sz="2000" dirty="0" smtClean="0"/>
+              <a:t>14</a:t>
+            </a:r>
+            <a:r>
+              <a:rPr lang="ru-RU" sz="2000" dirty="0" smtClean="0"/>
+              <a:t> </a:t>
+            </a:r>
+            <a:r>
+              <a:rPr lang="en-US" sz="2000" dirty="0" smtClean="0"/>
+              <a:t>Logical processors:</a:t>
+            </a:r>
+            <a:r>
+              <a:rPr lang="ru-RU" sz="2000" dirty="0" smtClean="0"/>
+              <a:t> 2</a:t>
+            </a:r>
+            <a:r>
+              <a:rPr lang="en-US" sz="2000" dirty="0" smtClean="0"/>
+              <a:t>8</a:t>
+            </a:r>
+          </a:p>
+          <a:p>
+            <a:endParaRPr lang="ru-RU" sz="2000" dirty="0" smtClean="0"/>
+          </a:p>
+          <a:p>
+            <a:r>
+              <a:rPr lang="en-US" sz="2000" dirty="0" smtClean="0"/>
+              <a:t>RAM 128Gb</a:t>
+            </a:r>
+          </a:p>
+          <a:p>
+            <a:endParaRPr lang="en-US" sz="2000" dirty="0" smtClean="0"/>
+          </a:p>
+          <a:p>
+            <a:r>
+              <a:rPr lang="en-US" sz="2000" dirty="0" smtClean="0"/>
+              <a:t>SSD Samsung 970 EVO Plus 2Tb</a:t>
+            </a:r>
+          </a:p>
+          <a:p>
+            <a:endParaRPr lang="en-US" sz="2000" dirty="0" smtClean="0"/>
+          </a:p>
+          <a:p>
+            <a:r>
+              <a:rPr lang="en-US" sz="2000" dirty="0" smtClean="0"/>
+              <a:t>MB: </a:t>
+            </a:r>
+            <a:r>
+              <a:rPr lang="ru-RU" sz="2000" dirty="0" smtClean="0"/>
+              <a:t>X99 </a:t>
+            </a:r>
+            <a:r>
+              <a:rPr lang="ru-RU" sz="2000" dirty="0"/>
+              <a:t>QD4 </a:t>
+            </a:r>
+            <a:r>
+              <a:rPr lang="ru-RU" sz="2000" dirty="0" err="1" smtClean="0"/>
+              <a:t>Huananzh</a:t>
+            </a:r>
+            <a:r>
+              <a:rPr lang="en-US" sz="2000" dirty="0" smtClean="0"/>
+              <a:t>i</a:t>
+            </a:r>
+            <a:endParaRPr lang="en-US" sz="2000" dirty="0"/>
           </a:p>
         </p:txBody>
       </p:sp>
